--- a/Prep Pitch.pptx
+++ b/Prep Pitch.pptx
@@ -6,15 +6,14 @@
   </p:sldMasterIdLst>
   <p:sldIdLst>
     <p:sldId id="256" r:id="rId2"/>
-    <p:sldId id="257" r:id="rId3"/>
-    <p:sldId id="258" r:id="rId4"/>
-    <p:sldId id="259" r:id="rId5"/>
-    <p:sldId id="265" r:id="rId6"/>
-    <p:sldId id="266" r:id="rId7"/>
-    <p:sldId id="267" r:id="rId8"/>
-    <p:sldId id="268" r:id="rId9"/>
-    <p:sldId id="260" r:id="rId10"/>
-    <p:sldId id="261" r:id="rId11"/>
+    <p:sldId id="258" r:id="rId3"/>
+    <p:sldId id="259" r:id="rId4"/>
+    <p:sldId id="265" r:id="rId5"/>
+    <p:sldId id="266" r:id="rId6"/>
+    <p:sldId id="267" r:id="rId7"/>
+    <p:sldId id="268" r:id="rId8"/>
+    <p:sldId id="260" r:id="rId9"/>
+    <p:sldId id="261" r:id="rId10"/>
   </p:sldIdLst>
   <p:sldSz cx="12192000" cy="6858000"/>
   <p:notesSz cx="6858000" cy="9144000"/>
@@ -347,7 +346,7 @@
           <a:p>
             <a:fld id="{BDC17371-CEE8-4D9D-A3B4-7F3B423FB76A}" type="datetimeFigureOut">
               <a:rPr lang="en-US" smtClean="0"/>
-              <a:t>10/2/2019</a:t>
+              <a:t>10/3/2019</a:t>
             </a:fld>
             <a:endParaRPr lang="en-US"/>
           </a:p>
@@ -555,7 +554,7 @@
           <a:p>
             <a:fld id="{BDC17371-CEE8-4D9D-A3B4-7F3B423FB76A}" type="datetimeFigureOut">
               <a:rPr lang="en-US" smtClean="0"/>
-              <a:t>10/2/2019</a:t>
+              <a:t>10/3/2019</a:t>
             </a:fld>
             <a:endParaRPr lang="en-US"/>
           </a:p>
@@ -811,7 +810,7 @@
           <a:p>
             <a:fld id="{BDC17371-CEE8-4D9D-A3B4-7F3B423FB76A}" type="datetimeFigureOut">
               <a:rPr lang="en-US" smtClean="0"/>
-              <a:t>10/2/2019</a:t>
+              <a:t>10/3/2019</a:t>
             </a:fld>
             <a:endParaRPr lang="en-US"/>
           </a:p>
@@ -985,7 +984,7 @@
           <a:p>
             <a:fld id="{BDC17371-CEE8-4D9D-A3B4-7F3B423FB76A}" type="datetimeFigureOut">
               <a:rPr lang="en-US" smtClean="0"/>
-              <a:t>10/2/2019</a:t>
+              <a:t>10/3/2019</a:t>
             </a:fld>
             <a:endParaRPr lang="en-US"/>
           </a:p>
@@ -1328,7 +1327,7 @@
           <a:p>
             <a:fld id="{BDC17371-CEE8-4D9D-A3B4-7F3B423FB76A}" type="datetimeFigureOut">
               <a:rPr lang="en-US" smtClean="0"/>
-              <a:t>10/2/2019</a:t>
+              <a:t>10/3/2019</a:t>
             </a:fld>
             <a:endParaRPr lang="en-US"/>
           </a:p>
@@ -1603,7 +1602,7 @@
           <a:p>
             <a:fld id="{BDC17371-CEE8-4D9D-A3B4-7F3B423FB76A}" type="datetimeFigureOut">
               <a:rPr lang="en-US" smtClean="0"/>
-              <a:t>10/2/2019</a:t>
+              <a:t>10/3/2019</a:t>
             </a:fld>
             <a:endParaRPr lang="en-US"/>
           </a:p>
@@ -1982,7 +1981,7 @@
           <a:p>
             <a:fld id="{BDC17371-CEE8-4D9D-A3B4-7F3B423FB76A}" type="datetimeFigureOut">
               <a:rPr lang="en-US" smtClean="0"/>
-              <a:t>10/2/2019</a:t>
+              <a:t>10/3/2019</a:t>
             </a:fld>
             <a:endParaRPr lang="en-US"/>
           </a:p>
@@ -2100,7 +2099,7 @@
           <a:p>
             <a:fld id="{BDC17371-CEE8-4D9D-A3B4-7F3B423FB76A}" type="datetimeFigureOut">
               <a:rPr lang="en-US" smtClean="0"/>
-              <a:t>10/2/2019</a:t>
+              <a:t>10/3/2019</a:t>
             </a:fld>
             <a:endParaRPr lang="en-US"/>
           </a:p>
@@ -2271,7 +2270,7 @@
           <a:p>
             <a:fld id="{BDC17371-CEE8-4D9D-A3B4-7F3B423FB76A}" type="datetimeFigureOut">
               <a:rPr lang="en-US" smtClean="0"/>
-              <a:t>10/2/2019</a:t>
+              <a:t>10/3/2019</a:t>
             </a:fld>
             <a:endParaRPr lang="en-US"/>
           </a:p>
@@ -2625,7 +2624,7 @@
           <a:p>
             <a:fld id="{BDC17371-CEE8-4D9D-A3B4-7F3B423FB76A}" type="datetimeFigureOut">
               <a:rPr lang="en-US" smtClean="0"/>
-              <a:t>10/2/2019</a:t>
+              <a:t>10/3/2019</a:t>
             </a:fld>
             <a:endParaRPr lang="en-US"/>
           </a:p>
@@ -3007,7 +3006,7 @@
           <a:p>
             <a:fld id="{BDC17371-CEE8-4D9D-A3B4-7F3B423FB76A}" type="datetimeFigureOut">
               <a:rPr lang="en-US" smtClean="0"/>
-              <a:t>10/2/2019</a:t>
+              <a:t>10/3/2019</a:t>
             </a:fld>
             <a:endParaRPr lang="en-US"/>
           </a:p>
@@ -3294,7 +3293,7 @@
           <a:p>
             <a:fld id="{BDC17371-CEE8-4D9D-A3B4-7F3B423FB76A}" type="datetimeFigureOut">
               <a:rPr lang="en-US" smtClean="0"/>
-              <a:t>10/2/2019</a:t>
+              <a:t>10/3/2019</a:t>
             </a:fld>
             <a:endParaRPr lang="en-US"/>
           </a:p>
@@ -3887,89 +3886,6 @@
 </p:sld>
 </file>
 
-<file path=ppt/slides/slide10.xml><?xml version="1.0" encoding="utf-8"?>
-<p:sld xmlns:a="http://schemas.openxmlformats.org/drawingml/2006/main" xmlns:r="http://schemas.openxmlformats.org/officeDocument/2006/relationships" xmlns:p="http://schemas.openxmlformats.org/presentationml/2006/main">
-  <p:cSld>
-    <p:spTree>
-      <p:nvGrpSpPr>
-        <p:cNvPr id="1" name=""/>
-        <p:cNvGrpSpPr/>
-        <p:nvPr/>
-      </p:nvGrpSpPr>
-      <p:grpSpPr>
-        <a:xfrm>
-          <a:off x="0" y="0"/>
-          <a:ext cx="0" cy="0"/>
-          <a:chOff x="0" y="0"/>
-          <a:chExt cx="0" cy="0"/>
-        </a:xfrm>
-      </p:grpSpPr>
-      <p:sp>
-        <p:nvSpPr>
-          <p:cNvPr id="2" name="Titre 1">
-            <a:extLst>
-              <a:ext uri="{FF2B5EF4-FFF2-40B4-BE49-F238E27FC236}">
-                <a16:creationId xmlns:a16="http://schemas.microsoft.com/office/drawing/2014/main" id="{46430754-1CFB-48F0-8057-FA31C9D16A9E}"/>
-              </a:ext>
-            </a:extLst>
-          </p:cNvPr>
-          <p:cNvSpPr>
-            <a:spLocks noGrp="1"/>
-          </p:cNvSpPr>
-          <p:nvPr>
-            <p:ph type="title"/>
-          </p:nvPr>
-        </p:nvSpPr>
-        <p:spPr/>
-        <p:txBody>
-          <a:bodyPr/>
-          <a:lstStyle/>
-          <a:p>
-            <a:r>
-              <a:rPr lang="en-US" dirty="0"/>
-              <a:t>What are our expectations?</a:t>
-            </a:r>
-          </a:p>
-        </p:txBody>
-      </p:sp>
-      <p:sp>
-        <p:nvSpPr>
-          <p:cNvPr id="3" name="Espace réservé du contenu 2">
-            <a:extLst>
-              <a:ext uri="{FF2B5EF4-FFF2-40B4-BE49-F238E27FC236}">
-                <a16:creationId xmlns:a16="http://schemas.microsoft.com/office/drawing/2014/main" id="{2E1EFBB3-4F70-45C5-91CA-432478C5F27E}"/>
-              </a:ext>
-            </a:extLst>
-          </p:cNvPr>
-          <p:cNvSpPr>
-            <a:spLocks noGrp="1"/>
-          </p:cNvSpPr>
-          <p:nvPr>
-            <p:ph idx="1"/>
-          </p:nvPr>
-        </p:nvSpPr>
-        <p:spPr/>
-        <p:txBody>
-          <a:bodyPr/>
-          <a:lstStyle/>
-          <a:p>
-            <a:endParaRPr lang="en-US"/>
-          </a:p>
-        </p:txBody>
-      </p:sp>
-    </p:spTree>
-    <p:extLst>
-      <p:ext uri="{BB962C8B-B14F-4D97-AF65-F5344CB8AC3E}">
-        <p14:creationId xmlns:p14="http://schemas.microsoft.com/office/powerpoint/2010/main" val="2142257506"/>
-      </p:ext>
-    </p:extLst>
-  </p:cSld>
-  <p:clrMapOvr>
-    <a:masterClrMapping/>
-  </p:clrMapOvr>
-</p:sld>
-</file>
-
 <file path=ppt/slides/slide2.xml><?xml version="1.0" encoding="utf-8"?>
 <p:sld xmlns:a="http://schemas.openxmlformats.org/drawingml/2006/main" xmlns:r="http://schemas.openxmlformats.org/officeDocument/2006/relationships" xmlns:p="http://schemas.openxmlformats.org/presentationml/2006/main">
   <p:cSld>
@@ -3992,7 +3908,7 @@
           <p:cNvPr id="2" name="Titre 1">
             <a:extLst>
               <a:ext uri="{FF2B5EF4-FFF2-40B4-BE49-F238E27FC236}">
-                <a16:creationId xmlns:a16="http://schemas.microsoft.com/office/drawing/2014/main" id="{3F7E11D9-B105-4890-A79E-409C1CCCA9C5}"/>
+                <a16:creationId xmlns:a16="http://schemas.microsoft.com/office/drawing/2014/main" id="{95DEDEDB-2350-4430-95BF-D73EB3CEFD83}"/>
               </a:ext>
             </a:extLst>
           </p:cNvPr>
@@ -4010,7 +3926,7 @@
           <a:p>
             <a:r>
               <a:rPr lang="en-US" dirty="0"/>
-              <a:t>What is the project about? </a:t>
+              <a:t>What is the objective of our project?</a:t>
             </a:r>
           </a:p>
         </p:txBody>
@@ -4020,7 +3936,7 @@
           <p:cNvPr id="3" name="Espace réservé du contenu 2">
             <a:extLst>
               <a:ext uri="{FF2B5EF4-FFF2-40B4-BE49-F238E27FC236}">
-                <a16:creationId xmlns:a16="http://schemas.microsoft.com/office/drawing/2014/main" id="{74BFA1DA-4D58-442B-AB37-320BC0D4202A}"/>
+                <a16:creationId xmlns:a16="http://schemas.microsoft.com/office/drawing/2014/main" id="{A8C8E66D-EFA2-4221-BFDF-8E8BD38058C0}"/>
               </a:ext>
             </a:extLst>
           </p:cNvPr>
@@ -4033,12 +3949,65 @@
         </p:nvSpPr>
         <p:spPr/>
         <p:txBody>
-          <a:bodyPr/>
-          <a:lstStyle/>
-          <a:p>
-            <a:r>
-              <a:rPr lang="en-US" dirty="0"/>
-              <a:t>See next slide</a:t>
+          <a:bodyPr>
+            <a:normAutofit/>
+          </a:bodyPr>
+          <a:lstStyle/>
+          <a:p>
+            <a:pPr>
+              <a:buFont typeface="Arial" panose="020B0604020202020204" pitchFamily="34" charset="0"/>
+              <a:buChar char="•"/>
+            </a:pPr>
+            <a:r>
+              <a:rPr lang="en-US" sz="2400" dirty="0"/>
+              <a:t> Experiment on a solution design for the automated answering of course related questions from students</a:t>
+            </a:r>
+          </a:p>
+          <a:p>
+            <a:pPr>
+              <a:buFont typeface="Arial" panose="020B0604020202020204" pitchFamily="34" charset="0"/>
+              <a:buChar char="•"/>
+            </a:pPr>
+            <a:r>
+              <a:rPr lang="en-US" sz="2400" dirty="0"/>
+              <a:t> Support provided to students </a:t>
+            </a:r>
+          </a:p>
+          <a:p>
+            <a:pPr lvl="1">
+              <a:buFont typeface="Arial" panose="020B0604020202020204" pitchFamily="34" charset="0"/>
+              <a:buChar char="•"/>
+            </a:pPr>
+            <a:r>
+              <a:rPr lang="en-US" sz="2000" dirty="0"/>
+              <a:t>without requiring the attention of the teacher</a:t>
+            </a:r>
+          </a:p>
+          <a:p>
+            <a:pPr lvl="1">
+              <a:buFont typeface="Arial" panose="020B0604020202020204" pitchFamily="34" charset="0"/>
+              <a:buChar char="•"/>
+            </a:pPr>
+            <a:r>
+              <a:rPr lang="en-US" sz="2000" dirty="0"/>
+              <a:t>24/7 no time delays (immediate answer)</a:t>
+            </a:r>
+          </a:p>
+          <a:p>
+            <a:pPr lvl="1">
+              <a:buFont typeface="Arial" panose="020B0604020202020204" pitchFamily="34" charset="0"/>
+              <a:buChar char="•"/>
+            </a:pPr>
+            <a:endParaRPr lang="en-US" sz="2000" dirty="0"/>
+          </a:p>
+          <a:p>
+            <a:pPr>
+              <a:buFont typeface="Arial" panose="020B0604020202020204" pitchFamily="34" charset="0"/>
+              <a:buChar char="•"/>
+            </a:pPr>
+            <a:r>
+              <a:rPr lang="en-US" sz="2400" dirty="0"/>
+              <a:t> Proof of concept for further development of automated student support</a:t>
             </a:r>
           </a:p>
         </p:txBody>
@@ -4046,7 +4015,7 @@
     </p:spTree>
     <p:extLst>
       <p:ext uri="{BB962C8B-B14F-4D97-AF65-F5344CB8AC3E}">
-        <p14:creationId xmlns:p14="http://schemas.microsoft.com/office/powerpoint/2010/main" val="2564010113"/>
+        <p14:creationId xmlns:p14="http://schemas.microsoft.com/office/powerpoint/2010/main" val="1183574600"/>
       </p:ext>
     </p:extLst>
   </p:cSld>
@@ -4078,7 +4047,7 @@
           <p:cNvPr id="2" name="Titre 1">
             <a:extLst>
               <a:ext uri="{FF2B5EF4-FFF2-40B4-BE49-F238E27FC236}">
-                <a16:creationId xmlns:a16="http://schemas.microsoft.com/office/drawing/2014/main" id="{95DEDEDB-2350-4430-95BF-D73EB3CEFD83}"/>
+                <a16:creationId xmlns:a16="http://schemas.microsoft.com/office/drawing/2014/main" id="{90C8C8C2-F821-4633-BD31-E3ACE264C5E6}"/>
               </a:ext>
             </a:extLst>
           </p:cNvPr>
@@ -4096,7 +4065,7 @@
           <a:p>
             <a:r>
               <a:rPr lang="en-US" dirty="0"/>
-              <a:t>What is the objective of our project?</a:t>
+              <a:t>Why do we think our project is appropriate?</a:t>
             </a:r>
           </a:p>
         </p:txBody>
@@ -4106,7 +4075,7 @@
           <p:cNvPr id="3" name="Espace réservé du contenu 2">
             <a:extLst>
               <a:ext uri="{FF2B5EF4-FFF2-40B4-BE49-F238E27FC236}">
-                <a16:creationId xmlns:a16="http://schemas.microsoft.com/office/drawing/2014/main" id="{A8C8E66D-EFA2-4221-BFDF-8E8BD38058C0}"/>
+                <a16:creationId xmlns:a16="http://schemas.microsoft.com/office/drawing/2014/main" id="{E4D6A3DD-EB75-43A6-A139-19FEBE74FE3F}"/>
               </a:ext>
             </a:extLst>
           </p:cNvPr>
@@ -4119,9 +4088,7 @@
         </p:nvSpPr>
         <p:spPr/>
         <p:txBody>
-          <a:bodyPr>
-            <a:normAutofit/>
-          </a:bodyPr>
+          <a:bodyPr/>
           <a:lstStyle/>
           <a:p>
             <a:pPr>
@@ -4130,7 +4097,7 @@
             </a:pPr>
             <a:r>
               <a:rPr lang="en-US" sz="2400" dirty="0"/>
-              <a:t> Experiment on a solution design for the automated answering of course related questions from students</a:t>
+              <a:t> Going towards digital transformation of FHNW</a:t>
             </a:r>
           </a:p>
           <a:p>
@@ -4140,7 +4107,7 @@
             </a:pPr>
             <a:r>
               <a:rPr lang="en-US" sz="2400" dirty="0"/>
-              <a:t> Support provided to students </a:t>
+              <a:t> Complexity level justifies the use of Agile</a:t>
             </a:r>
           </a:p>
           <a:p>
@@ -4149,8 +4116,8 @@
               <a:buChar char="•"/>
             </a:pPr>
             <a:r>
-              <a:rPr lang="en-US" sz="2000" dirty="0"/>
-              <a:t>without requiring the attention of the teacher</a:t>
+              <a:rPr lang="en-US" sz="2200" dirty="0"/>
+              <a:t>Two languages</a:t>
             </a:r>
           </a:p>
           <a:p>
@@ -4159,8 +4126,8 @@
               <a:buChar char="•"/>
             </a:pPr>
             <a:r>
-              <a:rPr lang="en-US" sz="2000" dirty="0"/>
-              <a:t>24/7 no time delays (immediate answer)</a:t>
+              <a:rPr lang="en-US" sz="2200" dirty="0"/>
+              <a:t>Need to treat large amounts of Data</a:t>
             </a:r>
           </a:p>
           <a:p>
@@ -4168,24 +4135,48 @@
               <a:buFont typeface="Arial" panose="020B0604020202020204" pitchFamily="34" charset="0"/>
               <a:buChar char="•"/>
             </a:pPr>
-            <a:endParaRPr lang="en-US" sz="2000" dirty="0"/>
+            <a:r>
+              <a:rPr lang="en-US" sz="2200" dirty="0"/>
+              <a:t>Machine learning</a:t>
+            </a:r>
+          </a:p>
+          <a:p>
+            <a:pPr lvl="1">
+              <a:buFont typeface="Arial" panose="020B0604020202020204" pitchFamily="34" charset="0"/>
+              <a:buChar char="•"/>
+            </a:pPr>
+            <a:r>
+              <a:rPr lang="en-US" sz="2200" dirty="0"/>
+              <a:t>Knowledge engineering</a:t>
+            </a:r>
           </a:p>
           <a:p>
             <a:pPr>
               <a:buFont typeface="Arial" panose="020B0604020202020204" pitchFamily="34" charset="0"/>
               <a:buChar char="•"/>
             </a:pPr>
-            <a:r>
-              <a:rPr lang="en-US" sz="2400" dirty="0"/>
-              <a:t> Proof of concept for further development of automated student support</a:t>
-            </a:r>
+            <a:endParaRPr lang="en-US" sz="2400" dirty="0"/>
+          </a:p>
+          <a:p>
+            <a:pPr>
+              <a:buFont typeface="Arial" panose="020B0604020202020204" pitchFamily="34" charset="0"/>
+              <a:buChar char="•"/>
+            </a:pPr>
+            <a:endParaRPr lang="en-US" sz="2400" dirty="0"/>
+          </a:p>
+          <a:p>
+            <a:pPr>
+              <a:buFont typeface="Courier New" panose="02070309020205020404" pitchFamily="49" charset="0"/>
+              <a:buChar char="o"/>
+            </a:pPr>
+            <a:endParaRPr lang="en-US" dirty="0"/>
           </a:p>
         </p:txBody>
       </p:sp>
     </p:spTree>
     <p:extLst>
       <p:ext uri="{BB962C8B-B14F-4D97-AF65-F5344CB8AC3E}">
-        <p14:creationId xmlns:p14="http://schemas.microsoft.com/office/powerpoint/2010/main" val="1183574600"/>
+        <p14:creationId xmlns:p14="http://schemas.microsoft.com/office/powerpoint/2010/main" val="1712342135"/>
       </p:ext>
     </p:extLst>
   </p:cSld>
@@ -4217,7 +4208,7 @@
           <p:cNvPr id="2" name="Titre 1">
             <a:extLst>
               <a:ext uri="{FF2B5EF4-FFF2-40B4-BE49-F238E27FC236}">
-                <a16:creationId xmlns:a16="http://schemas.microsoft.com/office/drawing/2014/main" id="{90C8C8C2-F821-4633-BD31-E3ACE264C5E6}"/>
+                <a16:creationId xmlns:a16="http://schemas.microsoft.com/office/drawing/2014/main" id="{C0E931EB-78B1-4E31-B709-475371A200FC}"/>
               </a:ext>
             </a:extLst>
           </p:cNvPr>
@@ -4235,7 +4226,7 @@
           <a:p>
             <a:r>
               <a:rPr lang="en-US" dirty="0"/>
-              <a:t>Why do we think our project is appropriate?</a:t>
+              <a:t>Is the WHO defined?(Stacey Matrix)</a:t>
             </a:r>
           </a:p>
         </p:txBody>
@@ -4245,7 +4236,7 @@
           <p:cNvPr id="3" name="Espace réservé du contenu 2">
             <a:extLst>
               <a:ext uri="{FF2B5EF4-FFF2-40B4-BE49-F238E27FC236}">
-                <a16:creationId xmlns:a16="http://schemas.microsoft.com/office/drawing/2014/main" id="{E4D6A3DD-EB75-43A6-A139-19FEBE74FE3F}"/>
+                <a16:creationId xmlns:a16="http://schemas.microsoft.com/office/drawing/2014/main" id="{0169B8BB-8892-4022-ADAE-4E7946CF2024}"/>
               </a:ext>
             </a:extLst>
           </p:cNvPr>
@@ -4267,7 +4258,7 @@
             </a:pPr>
             <a:r>
               <a:rPr lang="en-US" sz="2400" dirty="0"/>
-              <a:t> Going towards digital transformation of FHNW</a:t>
+              <a:t> Team</a:t>
             </a:r>
           </a:p>
           <a:p>
@@ -4277,14 +4268,45 @@
             </a:pPr>
             <a:r>
               <a:rPr lang="en-US" sz="2400" dirty="0"/>
-              <a:t> Complexity level justifies the use of Agile</a:t>
+              <a:t> Friedrich Witschel</a:t>
             </a:r>
           </a:p>
           <a:p>
             <a:pPr>
-              <a:buFont typeface="Courier New" panose="02070309020205020404" pitchFamily="49" charset="0"/>
-              <a:buChar char="o"/>
+              <a:buFont typeface="Arial" panose="020B0604020202020204" pitchFamily="34" charset="0"/>
+              <a:buChar char="•"/>
             </a:pPr>
+            <a:r>
+              <a:rPr lang="en-US" sz="2400" dirty="0"/>
+              <a:t> Project coach</a:t>
+            </a:r>
+          </a:p>
+          <a:p>
+            <a:pPr marL="0" indent="0">
+              <a:buNone/>
+            </a:pPr>
+            <a:endParaRPr lang="en-US" sz="2400" dirty="0"/>
+          </a:p>
+          <a:p>
+            <a:pPr marL="0" indent="0">
+              <a:buNone/>
+            </a:pPr>
+            <a:endParaRPr lang="en-US" sz="2400" dirty="0"/>
+          </a:p>
+          <a:p>
+            <a:pPr>
+              <a:buFont typeface="Arial" panose="020B0604020202020204" pitchFamily="34" charset="0"/>
+              <a:buChar char="•"/>
+            </a:pPr>
+            <a:r>
+              <a:rPr lang="en-US" sz="2400" dirty="0"/>
+              <a:t> Other? (e.g. students of BI course, external help)</a:t>
+            </a:r>
+          </a:p>
+          <a:p>
+            <a:endParaRPr lang="en-US" dirty="0"/>
+          </a:p>
+          <a:p>
             <a:endParaRPr lang="en-US" dirty="0"/>
           </a:p>
         </p:txBody>
@@ -4292,7 +4314,7 @@
     </p:spTree>
     <p:extLst>
       <p:ext uri="{BB962C8B-B14F-4D97-AF65-F5344CB8AC3E}">
-        <p14:creationId xmlns:p14="http://schemas.microsoft.com/office/powerpoint/2010/main" val="1712342135"/>
+        <p14:creationId xmlns:p14="http://schemas.microsoft.com/office/powerpoint/2010/main" val="280001404"/>
       </p:ext>
     </p:extLst>
   </p:cSld>
@@ -4342,7 +4364,7 @@
           <a:p>
             <a:r>
               <a:rPr lang="en-US" dirty="0"/>
-              <a:t>Is the WHO defined?(Stacey Matrix)</a:t>
+              <a:t>What about the WHAT? (Stacey Matrix)</a:t>
             </a:r>
           </a:p>
         </p:txBody>
@@ -4365,7 +4387,9 @@
         </p:nvSpPr>
         <p:spPr/>
         <p:txBody>
-          <a:bodyPr/>
+          <a:bodyPr>
+            <a:normAutofit/>
+          </a:bodyPr>
           <a:lstStyle/>
           <a:p>
             <a:pPr>
@@ -4374,52 +4398,70 @@
             </a:pPr>
             <a:r>
               <a:rPr lang="en-US" sz="2400" dirty="0"/>
-              <a:t> Team</a:t>
-            </a:r>
-          </a:p>
-          <a:p>
-            <a:pPr>
+              <a:t> A solution …</a:t>
+            </a:r>
+          </a:p>
+          <a:p>
+            <a:pPr lvl="1">
               <a:buFont typeface="Arial" panose="020B0604020202020204" pitchFamily="34" charset="0"/>
               <a:buChar char="•"/>
             </a:pPr>
             <a:r>
-              <a:rPr lang="en-US" sz="2400" dirty="0"/>
-              <a:t> Friedrich Witschel</a:t>
-            </a:r>
-          </a:p>
-          <a:p>
-            <a:pPr>
+              <a:rPr lang="en-US" sz="2000" dirty="0"/>
+              <a:t>… to provide answers to questions related to the Business Intelligence course</a:t>
+            </a:r>
+          </a:p>
+          <a:p>
+            <a:pPr lvl="1">
               <a:buFont typeface="Arial" panose="020B0604020202020204" pitchFamily="34" charset="0"/>
               <a:buChar char="•"/>
             </a:pPr>
             <a:r>
-              <a:rPr lang="en-US" sz="2400" dirty="0"/>
-              <a:t> Project coach</a:t>
-            </a:r>
-          </a:p>
-          <a:p>
-            <a:pPr marL="0" indent="0">
-              <a:buNone/>
-            </a:pPr>
-            <a:endParaRPr lang="en-US" sz="2400" dirty="0"/>
-          </a:p>
-          <a:p>
-            <a:pPr marL="0" indent="0">
-              <a:buNone/>
-            </a:pPr>
-            <a:endParaRPr lang="en-US" sz="2400" dirty="0"/>
-          </a:p>
-          <a:p>
-            <a:pPr>
+              <a:rPr lang="en-US" sz="2000" dirty="0"/>
+              <a:t>…. that allows student to get answers in a quick and efficient way</a:t>
+            </a:r>
+          </a:p>
+          <a:p>
+            <a:pPr lvl="1">
               <a:buFont typeface="Arial" panose="020B0604020202020204" pitchFamily="34" charset="0"/>
               <a:buChar char="•"/>
             </a:pPr>
             <a:r>
-              <a:rPr lang="en-US" sz="2400" dirty="0"/>
-              <a:t> Other? (e.g. students of BI course, external help)</a:t>
-            </a:r>
-          </a:p>
-          <a:p>
+              <a:rPr lang="en-US" sz="2000" dirty="0"/>
+              <a:t>… that is available all the time</a:t>
+            </a:r>
+          </a:p>
+          <a:p>
+            <a:pPr lvl="1">
+              <a:buFont typeface="Arial" panose="020B0604020202020204" pitchFamily="34" charset="0"/>
+              <a:buChar char="•"/>
+            </a:pPr>
+            <a:r>
+              <a:rPr lang="en-US" sz="2000" dirty="0"/>
+              <a:t>… that relieves teachers from having to respond to every single student question</a:t>
+            </a:r>
+          </a:p>
+          <a:p>
+            <a:pPr lvl="1">
+              <a:buFont typeface="Arial" panose="020B0604020202020204" pitchFamily="34" charset="0"/>
+              <a:buChar char="•"/>
+            </a:pPr>
+            <a:r>
+              <a:rPr lang="en-US" sz="2000" dirty="0"/>
+              <a:t>… that is automated so as to permit 24/7 support</a:t>
+            </a:r>
+          </a:p>
+          <a:p>
+            <a:pPr lvl="1">
+              <a:buFont typeface="Arial" panose="020B0604020202020204" pitchFamily="34" charset="0"/>
+              <a:buChar char="•"/>
+            </a:pPr>
+            <a:endParaRPr lang="en-US" sz="2200" dirty="0"/>
+          </a:p>
+          <a:p>
+            <a:pPr marL="0" indent="0">
+              <a:buNone/>
+            </a:pPr>
             <a:endParaRPr lang="en-US" dirty="0"/>
           </a:p>
           <a:p>
@@ -4430,7 +4472,7 @@
     </p:spTree>
     <p:extLst>
       <p:ext uri="{BB962C8B-B14F-4D97-AF65-F5344CB8AC3E}">
-        <p14:creationId xmlns:p14="http://schemas.microsoft.com/office/powerpoint/2010/main" val="280001404"/>
+        <p14:creationId xmlns:p14="http://schemas.microsoft.com/office/powerpoint/2010/main" val="1491622185"/>
       </p:ext>
     </p:extLst>
   </p:cSld>
@@ -4462,7 +4504,7 @@
           <p:cNvPr id="2" name="Titre 1">
             <a:extLst>
               <a:ext uri="{FF2B5EF4-FFF2-40B4-BE49-F238E27FC236}">
-                <a16:creationId xmlns:a16="http://schemas.microsoft.com/office/drawing/2014/main" id="{C0E931EB-78B1-4E31-B709-475371A200FC}"/>
+                <a16:creationId xmlns:a16="http://schemas.microsoft.com/office/drawing/2014/main" id="{3395B0AA-AB13-4E85-BC68-6D6DFC5B2315}"/>
               </a:ext>
             </a:extLst>
           </p:cNvPr>
@@ -4480,7 +4522,7 @@
           <a:p>
             <a:r>
               <a:rPr lang="en-US" dirty="0"/>
-              <a:t>What about the WHAT?(Stacey Matrix)</a:t>
+              <a:t>And HOW? (Stacey Matrix)</a:t>
             </a:r>
           </a:p>
         </p:txBody>
@@ -4490,7 +4532,7 @@
           <p:cNvPr id="3" name="Espace réservé du contenu 2">
             <a:extLst>
               <a:ext uri="{FF2B5EF4-FFF2-40B4-BE49-F238E27FC236}">
-                <a16:creationId xmlns:a16="http://schemas.microsoft.com/office/drawing/2014/main" id="{0169B8BB-8892-4022-ADAE-4E7946CF2024}"/>
+                <a16:creationId xmlns:a16="http://schemas.microsoft.com/office/drawing/2014/main" id="{3FDFDB93-8BAC-49B8-850A-CED7AA496A41}"/>
               </a:ext>
             </a:extLst>
           </p:cNvPr>
@@ -4503,7 +4545,9 @@
         </p:nvSpPr>
         <p:spPr/>
         <p:txBody>
-          <a:bodyPr/>
+          <a:bodyPr>
+            <a:normAutofit/>
+          </a:bodyPr>
           <a:lstStyle/>
           <a:p>
             <a:pPr>
@@ -4512,7 +4556,7 @@
             </a:pPr>
             <a:r>
               <a:rPr lang="en-US" sz="2400" dirty="0"/>
-              <a:t> A tool to provide answer questions related to the Business Intelligence course</a:t>
+              <a:t>… analyze the Question-to-Answer process </a:t>
             </a:r>
           </a:p>
           <a:p>
@@ -4520,7 +4564,10 @@
               <a:buFont typeface="Arial" panose="020B0604020202020204" pitchFamily="34" charset="0"/>
               <a:buChar char="•"/>
             </a:pPr>
-            <a:endParaRPr lang="en-US" sz="2400" dirty="0"/>
+            <a:r>
+              <a:rPr lang="en-US" sz="2400" dirty="0"/>
+              <a:t> … Gather required course related knowledge in Q&amp;A form (documented knowledge)</a:t>
+            </a:r>
           </a:p>
           <a:p>
             <a:pPr>
@@ -4529,7 +4576,7 @@
             </a:pPr>
             <a:r>
               <a:rPr lang="en-US" sz="2400" dirty="0"/>
-              <a:t> For the students</a:t>
+              <a:t> … Translate the Q&amp;A into Natural Language Processing (NLP)</a:t>
             </a:r>
           </a:p>
           <a:p>
@@ -4537,54 +4584,20 @@
               <a:buFont typeface="Arial" panose="020B0604020202020204" pitchFamily="34" charset="0"/>
               <a:buChar char="•"/>
             </a:pPr>
+            <a:r>
+              <a:rPr lang="en-US" sz="2400" dirty="0"/>
+              <a:t>… use a combination of knowledge engineering and Machine learning for correct and self-developing Chatbot solution (The more data the more effective)</a:t>
+            </a:r>
+          </a:p>
+          <a:p>
             <a:endParaRPr lang="en-US" sz="2400" dirty="0"/>
-          </a:p>
-          <a:p>
-            <a:pPr>
-              <a:buFont typeface="Arial" panose="020B0604020202020204" pitchFamily="34" charset="0"/>
-              <a:buChar char="•"/>
-            </a:pPr>
-            <a:r>
-              <a:rPr lang="en-US" sz="2400" dirty="0"/>
-              <a:t> Without having to write an E-mail to Teacher</a:t>
-            </a:r>
-          </a:p>
-          <a:p>
-            <a:pPr>
-              <a:buFont typeface="Arial" panose="020B0604020202020204" pitchFamily="34" charset="0"/>
-              <a:buChar char="•"/>
-            </a:pPr>
-            <a:endParaRPr lang="en-US" sz="2400" dirty="0"/>
-          </a:p>
-          <a:p>
-            <a:pPr>
-              <a:buFont typeface="Arial" panose="020B0604020202020204" pitchFamily="34" charset="0"/>
-              <a:buChar char="•"/>
-            </a:pPr>
-            <a:r>
-              <a:rPr lang="en-US" sz="2400" dirty="0"/>
-              <a:t> Automated (24/7) support</a:t>
-            </a:r>
-            <a:br>
-              <a:rPr lang="en-US" dirty="0"/>
-            </a:br>
-            <a:endParaRPr lang="en-US" dirty="0"/>
-          </a:p>
-          <a:p>
-            <a:pPr marL="0" indent="0">
-              <a:buNone/>
-            </a:pPr>
-            <a:endParaRPr lang="en-US" dirty="0"/>
-          </a:p>
-          <a:p>
-            <a:endParaRPr lang="en-US" dirty="0"/>
           </a:p>
         </p:txBody>
       </p:sp>
     </p:spTree>
     <p:extLst>
       <p:ext uri="{BB962C8B-B14F-4D97-AF65-F5344CB8AC3E}">
-        <p14:creationId xmlns:p14="http://schemas.microsoft.com/office/powerpoint/2010/main" val="1491622185"/>
+        <p14:creationId xmlns:p14="http://schemas.microsoft.com/office/powerpoint/2010/main" val="693620686"/>
       </p:ext>
     </p:extLst>
   </p:cSld>
@@ -4633,220 +4646,12 @@
           <a:lstStyle/>
           <a:p>
             <a:r>
+              <a:rPr lang="en-US" dirty="0" err="1"/>
+              <a:t>Sooo</a:t>
+            </a:r>
+            <a:r>
               <a:rPr lang="en-US" dirty="0"/>
-              <a:t>And HOW?</a:t>
-            </a:r>
-          </a:p>
-        </p:txBody>
-      </p:sp>
-      <p:sp>
-        <p:nvSpPr>
-          <p:cNvPr id="3" name="Espace réservé du contenu 2">
-            <a:extLst>
-              <a:ext uri="{FF2B5EF4-FFF2-40B4-BE49-F238E27FC236}">
-                <a16:creationId xmlns:a16="http://schemas.microsoft.com/office/drawing/2014/main" id="{3FDFDB93-8BAC-49B8-850A-CED7AA496A41}"/>
-              </a:ext>
-            </a:extLst>
-          </p:cNvPr>
-          <p:cNvSpPr>
-            <a:spLocks noGrp="1"/>
-          </p:cNvSpPr>
-          <p:nvPr>
-            <p:ph idx="1"/>
-          </p:nvPr>
-        </p:nvSpPr>
-        <p:spPr/>
-        <p:txBody>
-          <a:bodyPr>
-            <a:normAutofit/>
-          </a:bodyPr>
-          <a:lstStyle/>
-          <a:p>
-            <a:pPr>
-              <a:buFont typeface="Arial" panose="020B0604020202020204" pitchFamily="34" charset="0"/>
-              <a:buChar char="•"/>
-            </a:pPr>
-            <a:r>
-              <a:rPr lang="en-US" sz="2400" dirty="0"/>
-              <a:t> Develop a chatbot?</a:t>
-            </a:r>
-          </a:p>
-          <a:p>
-            <a:pPr>
-              <a:buFont typeface="Arial" panose="020B0604020202020204" pitchFamily="34" charset="0"/>
-              <a:buChar char="•"/>
-            </a:pPr>
-            <a:endParaRPr lang="en-US" sz="2400" dirty="0"/>
-          </a:p>
-          <a:p>
-            <a:pPr>
-              <a:buFont typeface="Arial" panose="020B0604020202020204" pitchFamily="34" charset="0"/>
-              <a:buChar char="•"/>
-            </a:pPr>
-            <a:r>
-              <a:rPr lang="en-US" sz="2400" dirty="0"/>
-              <a:t> Machine learning? Supervised learning?</a:t>
-            </a:r>
-          </a:p>
-          <a:p>
-            <a:pPr>
-              <a:buFont typeface="Arial" panose="020B0604020202020204" pitchFamily="34" charset="0"/>
-              <a:buChar char="•"/>
-            </a:pPr>
-            <a:endParaRPr lang="en-US" sz="2400" dirty="0"/>
-          </a:p>
-          <a:p>
-            <a:pPr>
-              <a:buFont typeface="Arial" panose="020B0604020202020204" pitchFamily="34" charset="0"/>
-              <a:buChar char="•"/>
-            </a:pPr>
-            <a:r>
-              <a:rPr lang="en-US" sz="2400" dirty="0"/>
-              <a:t> Knowledge engineering?</a:t>
-            </a:r>
-          </a:p>
-        </p:txBody>
-      </p:sp>
-    </p:spTree>
-    <p:extLst>
-      <p:ext uri="{BB962C8B-B14F-4D97-AF65-F5344CB8AC3E}">
-        <p14:creationId xmlns:p14="http://schemas.microsoft.com/office/powerpoint/2010/main" val="693620686"/>
-      </p:ext>
-    </p:extLst>
-  </p:cSld>
-  <p:clrMapOvr>
-    <a:masterClrMapping/>
-  </p:clrMapOvr>
-</p:sld>
-</file>
-
-<file path=ppt/slides/slide8.xml><?xml version="1.0" encoding="utf-8"?>
-<p:sld xmlns:a="http://schemas.openxmlformats.org/drawingml/2006/main" xmlns:r="http://schemas.openxmlformats.org/officeDocument/2006/relationships" xmlns:p="http://schemas.openxmlformats.org/presentationml/2006/main">
-  <p:cSld>
-    <p:spTree>
-      <p:nvGrpSpPr>
-        <p:cNvPr id="1" name=""/>
-        <p:cNvGrpSpPr/>
-        <p:nvPr/>
-      </p:nvGrpSpPr>
-      <p:grpSpPr>
-        <a:xfrm>
-          <a:off x="0" y="0"/>
-          <a:ext cx="0" cy="0"/>
-          <a:chOff x="0" y="0"/>
-          <a:chExt cx="0" cy="0"/>
-        </a:xfrm>
-      </p:grpSpPr>
-      <p:sp>
-        <p:nvSpPr>
-          <p:cNvPr id="2" name="Titre 1">
-            <a:extLst>
-              <a:ext uri="{FF2B5EF4-FFF2-40B4-BE49-F238E27FC236}">
-                <a16:creationId xmlns:a16="http://schemas.microsoft.com/office/drawing/2014/main" id="{3395B0AA-AB13-4E85-BC68-6D6DFC5B2315}"/>
-              </a:ext>
-            </a:extLst>
-          </p:cNvPr>
-          <p:cNvSpPr>
-            <a:spLocks noGrp="1"/>
-          </p:cNvSpPr>
-          <p:nvPr>
-            <p:ph type="title"/>
-          </p:nvPr>
-        </p:nvSpPr>
-        <p:spPr/>
-        <p:txBody>
-          <a:bodyPr/>
-          <a:lstStyle/>
-          <a:p>
-            <a:r>
-              <a:rPr lang="en-US" dirty="0" err="1">
-                <a:solidFill>
-                  <a:schemeClr val="tx1"/>
-                </a:solidFill>
-              </a:rPr>
-              <a:t>Sooo</a:t>
-            </a:r>
-            <a:r>
-              <a:rPr lang="en-US" dirty="0">
-                <a:solidFill>
-                  <a:schemeClr val="tx1"/>
-                </a:solidFill>
-              </a:rPr>
-              <a:t>? Where are we?</a:t>
-            </a:r>
-            <a:endParaRPr lang="en-US" dirty="0"/>
-          </a:p>
-        </p:txBody>
-      </p:sp>
-      <p:sp>
-        <p:nvSpPr>
-          <p:cNvPr id="3" name="Espace réservé du contenu 2">
-            <a:extLst>
-              <a:ext uri="{FF2B5EF4-FFF2-40B4-BE49-F238E27FC236}">
-                <a16:creationId xmlns:a16="http://schemas.microsoft.com/office/drawing/2014/main" id="{3FDFDB93-8BAC-49B8-850A-CED7AA496A41}"/>
-              </a:ext>
-            </a:extLst>
-          </p:cNvPr>
-          <p:cNvSpPr>
-            <a:spLocks noGrp="1"/>
-          </p:cNvSpPr>
-          <p:nvPr>
-            <p:ph idx="1"/>
-          </p:nvPr>
-        </p:nvSpPr>
-        <p:spPr>
-          <a:xfrm>
-            <a:off x="1097280" y="1845734"/>
-            <a:ext cx="5212081" cy="4023360"/>
-          </a:xfrm>
-        </p:spPr>
-        <p:txBody>
-          <a:bodyPr>
-            <a:normAutofit/>
-          </a:bodyPr>
-          <a:lstStyle/>
-          <a:p>
-            <a:pPr>
-              <a:buFont typeface="Arial" panose="020B0604020202020204" pitchFamily="34" charset="0"/>
-              <a:buChar char="•"/>
-            </a:pPr>
-            <a:r>
-              <a:rPr lang="en-US" sz="2400" dirty="0"/>
-              <a:t> Develop a chatbot?</a:t>
-            </a:r>
-          </a:p>
-          <a:p>
-            <a:pPr>
-              <a:buFont typeface="Arial" panose="020B0604020202020204" pitchFamily="34" charset="0"/>
-              <a:buChar char="•"/>
-            </a:pPr>
-            <a:endParaRPr lang="en-US" sz="2400" dirty="0"/>
-          </a:p>
-          <a:p>
-            <a:pPr>
-              <a:buFont typeface="Arial" panose="020B0604020202020204" pitchFamily="34" charset="0"/>
-              <a:buChar char="•"/>
-            </a:pPr>
-            <a:r>
-              <a:rPr lang="en-US" sz="2400" dirty="0"/>
-              <a:t> Machine learning? Supervised learning?</a:t>
-            </a:r>
-          </a:p>
-          <a:p>
-            <a:pPr>
-              <a:buFont typeface="Arial" panose="020B0604020202020204" pitchFamily="34" charset="0"/>
-              <a:buChar char="•"/>
-            </a:pPr>
-            <a:endParaRPr lang="en-US" sz="2400" dirty="0"/>
-          </a:p>
-          <a:p>
-            <a:pPr>
-              <a:buFont typeface="Arial" panose="020B0604020202020204" pitchFamily="34" charset="0"/>
-              <a:buChar char="•"/>
-            </a:pPr>
-            <a:r>
-              <a:rPr lang="en-US" sz="2400" dirty="0"/>
-              <a:t> Knowledge engineering?</a:t>
+              <a:t>? Where are we? (Stacey Matrix)</a:t>
             </a:r>
           </a:p>
         </p:txBody>
@@ -4879,7 +4684,7 @@
         </p:blipFill>
         <p:spPr>
           <a:xfrm>
-            <a:off x="6309361" y="1845734"/>
+            <a:off x="3418892" y="1845734"/>
             <a:ext cx="5354216" cy="4243215"/>
           </a:xfrm>
           <a:prstGeom prst="rect">
@@ -4900,9 +4705,9 @@
           <p:nvPr/>
         </p:nvSpPr>
         <p:spPr>
-          <a:xfrm rot="3039087">
-            <a:off x="7643369" y="3500344"/>
-            <a:ext cx="2685046" cy="715002"/>
+          <a:xfrm rot="3060000">
+            <a:off x="4894678" y="3265949"/>
+            <a:ext cx="3360687" cy="1321111"/>
           </a:xfrm>
           <a:custGeom>
             <a:avLst/>
@@ -5047,6 +4852,62 @@
               <a:gd name="connsiteY5" fmla="*/ 19631 h 19849"/>
               <a:gd name="connsiteX6" fmla="*/ 9078 w 40695"/>
               <a:gd name="connsiteY6" fmla="*/ 3178 h 19849"/>
+              <a:gd name="connsiteX0" fmla="*/ 9078 w 48671"/>
+              <a:gd name="connsiteY0" fmla="*/ 15911 h 32582"/>
+              <a:gd name="connsiteX1" fmla="*/ 48268 w 48671"/>
+              <a:gd name="connsiteY1" fmla="*/ 0 h 32582"/>
+              <a:gd name="connsiteX2" fmla="*/ 40627 w 48671"/>
+              <a:gd name="connsiteY2" fmla="*/ 26007 h 32582"/>
+              <a:gd name="connsiteX3" fmla="*/ 22862 w 48671"/>
+              <a:gd name="connsiteY3" fmla="*/ 25788 h 32582"/>
+              <a:gd name="connsiteX4" fmla="*/ 13163 w 48671"/>
+              <a:gd name="connsiteY4" fmla="*/ 25797 h 32582"/>
+              <a:gd name="connsiteX5" fmla="*/ 41 w 48671"/>
+              <a:gd name="connsiteY5" fmla="*/ 32364 h 32582"/>
+              <a:gd name="connsiteX6" fmla="*/ 9078 w 48671"/>
+              <a:gd name="connsiteY6" fmla="*/ 15911 h 32582"/>
+              <a:gd name="connsiteX0" fmla="*/ 9078 w 50100"/>
+              <a:gd name="connsiteY0" fmla="*/ 15911 h 32582"/>
+              <a:gd name="connsiteX1" fmla="*/ 48268 w 50100"/>
+              <a:gd name="connsiteY1" fmla="*/ 0 h 32582"/>
+              <a:gd name="connsiteX2" fmla="*/ 47314 w 50100"/>
+              <a:gd name="connsiteY2" fmla="*/ 21628 h 32582"/>
+              <a:gd name="connsiteX3" fmla="*/ 22862 w 50100"/>
+              <a:gd name="connsiteY3" fmla="*/ 25788 h 32582"/>
+              <a:gd name="connsiteX4" fmla="*/ 13163 w 50100"/>
+              <a:gd name="connsiteY4" fmla="*/ 25797 h 32582"/>
+              <a:gd name="connsiteX5" fmla="*/ 41 w 50100"/>
+              <a:gd name="connsiteY5" fmla="*/ 32364 h 32582"/>
+              <a:gd name="connsiteX6" fmla="*/ 9078 w 50100"/>
+              <a:gd name="connsiteY6" fmla="*/ 15911 h 32582"/>
+              <a:gd name="connsiteX0" fmla="*/ 9078 w 55625"/>
+              <a:gd name="connsiteY0" fmla="*/ 19504 h 36175"/>
+              <a:gd name="connsiteX1" fmla="*/ 55167 w 55625"/>
+              <a:gd name="connsiteY1" fmla="*/ 0 h 36175"/>
+              <a:gd name="connsiteX2" fmla="*/ 47314 w 55625"/>
+              <a:gd name="connsiteY2" fmla="*/ 25221 h 36175"/>
+              <a:gd name="connsiteX3" fmla="*/ 22862 w 55625"/>
+              <a:gd name="connsiteY3" fmla="*/ 29381 h 36175"/>
+              <a:gd name="connsiteX4" fmla="*/ 13163 w 55625"/>
+              <a:gd name="connsiteY4" fmla="*/ 29390 h 36175"/>
+              <a:gd name="connsiteX5" fmla="*/ 41 w 55625"/>
+              <a:gd name="connsiteY5" fmla="*/ 35957 h 36175"/>
+              <a:gd name="connsiteX6" fmla="*/ 9078 w 55625"/>
+              <a:gd name="connsiteY6" fmla="*/ 19504 h 36175"/>
+              <a:gd name="connsiteX0" fmla="*/ 9078 w 55625"/>
+              <a:gd name="connsiteY0" fmla="*/ 19504 h 36175"/>
+              <a:gd name="connsiteX1" fmla="*/ 55167 w 55625"/>
+              <a:gd name="connsiteY1" fmla="*/ 0 h 36175"/>
+              <a:gd name="connsiteX2" fmla="*/ 47314 w 55625"/>
+              <a:gd name="connsiteY2" fmla="*/ 25221 h 36175"/>
+              <a:gd name="connsiteX3" fmla="*/ 22862 w 55625"/>
+              <a:gd name="connsiteY3" fmla="*/ 29381 h 36175"/>
+              <a:gd name="connsiteX4" fmla="*/ 13163 w 55625"/>
+              <a:gd name="connsiteY4" fmla="*/ 29390 h 36175"/>
+              <a:gd name="connsiteX5" fmla="*/ 41 w 55625"/>
+              <a:gd name="connsiteY5" fmla="*/ 35957 h 36175"/>
+              <a:gd name="connsiteX6" fmla="*/ 9078 w 55625"/>
+              <a:gd name="connsiteY6" fmla="*/ 19504 h 36175"/>
             </a:gdLst>
             <a:ahLst/>
             <a:cxnLst>
@@ -5074,35 +4935,37 @@
             </a:cxnLst>
             <a:rect l="l" t="t" r="r" b="b"/>
             <a:pathLst>
-              <a:path w="40695" h="19849">
+              <a:path w="55625" h="36175">
                 <a:moveTo>
-                  <a:pt x="9078" y="3178"/>
+                  <a:pt x="9078" y="19504"/>
                 </a:moveTo>
+                <a:cubicBezTo>
+                  <a:pt x="15722" y="18445"/>
+                  <a:pt x="43831" y="11133"/>
+                  <a:pt x="55167" y="0"/>
+                </a:cubicBezTo>
+                <a:cubicBezTo>
+                  <a:pt x="57086" y="0"/>
+                  <a:pt x="52698" y="20324"/>
+                  <a:pt x="47314" y="25221"/>
+                </a:cubicBezTo>
+                <a:cubicBezTo>
+                  <a:pt x="41930" y="30118"/>
+                  <a:pt x="24781" y="29381"/>
+                  <a:pt x="22862" y="29381"/>
+                </a:cubicBezTo>
                 <a:lnTo>
-                  <a:pt x="29010" y="0"/>
+                  <a:pt x="13163" y="29390"/>
                 </a:lnTo>
                 <a:cubicBezTo>
-                  <a:pt x="30929" y="0"/>
-                  <a:pt x="41652" y="11098"/>
-                  <a:pt x="40627" y="13274"/>
+                  <a:pt x="11244" y="29390"/>
+                  <a:pt x="722" y="37605"/>
+                  <a:pt x="41" y="35957"/>
                 </a:cubicBezTo>
                 <a:cubicBezTo>
-                  <a:pt x="39602" y="15450"/>
-                  <a:pt x="24781" y="13055"/>
-                  <a:pt x="22862" y="13055"/>
-                </a:cubicBezTo>
-                <a:lnTo>
-                  <a:pt x="13163" y="13064"/>
-                </a:lnTo>
-                <a:cubicBezTo>
-                  <a:pt x="11244" y="13064"/>
-                  <a:pt x="722" y="21279"/>
-                  <a:pt x="41" y="19631"/>
-                </a:cubicBezTo>
-                <a:cubicBezTo>
-                  <a:pt x="-640" y="17983"/>
-                  <a:pt x="7159" y="3178"/>
-                  <a:pt x="9078" y="3178"/>
+                  <a:pt x="-640" y="34309"/>
+                  <a:pt x="7159" y="19504"/>
+                  <a:pt x="9078" y="19504"/>
                 </a:cubicBezTo>
                 <a:close/>
               </a:path>
@@ -5135,7 +4998,7 @@
             <a:pPr algn="ctr"/>
             <a:r>
               <a:rPr lang="en-US" dirty="0"/>
-              <a:t>Somewhere here</a:t>
+              <a:t>                    Somewhere here</a:t>
             </a:r>
           </a:p>
         </p:txBody>
@@ -5231,6 +5094,140 @@
 </p:sld>
 </file>
 
+<file path=ppt/slides/slide8.xml><?xml version="1.0" encoding="utf-8"?>
+<p:sld xmlns:a="http://schemas.openxmlformats.org/drawingml/2006/main" xmlns:r="http://schemas.openxmlformats.org/officeDocument/2006/relationships" xmlns:p="http://schemas.openxmlformats.org/presentationml/2006/main">
+  <p:cSld>
+    <p:spTree>
+      <p:nvGrpSpPr>
+        <p:cNvPr id="1" name=""/>
+        <p:cNvGrpSpPr/>
+        <p:nvPr/>
+      </p:nvGrpSpPr>
+      <p:grpSpPr>
+        <a:xfrm>
+          <a:off x="0" y="0"/>
+          <a:ext cx="0" cy="0"/>
+          <a:chOff x="0" y="0"/>
+          <a:chExt cx="0" cy="0"/>
+        </a:xfrm>
+      </p:grpSpPr>
+      <p:sp>
+        <p:nvSpPr>
+          <p:cNvPr id="2" name="Titre 1">
+            <a:extLst>
+              <a:ext uri="{FF2B5EF4-FFF2-40B4-BE49-F238E27FC236}">
+                <a16:creationId xmlns:a16="http://schemas.microsoft.com/office/drawing/2014/main" id="{A9083182-92A6-4918-96FD-DAF2712DFADD}"/>
+              </a:ext>
+            </a:extLst>
+          </p:cNvPr>
+          <p:cNvSpPr>
+            <a:spLocks noGrp="1"/>
+          </p:cNvSpPr>
+          <p:nvPr>
+            <p:ph type="title"/>
+          </p:nvPr>
+        </p:nvSpPr>
+        <p:spPr/>
+        <p:txBody>
+          <a:bodyPr/>
+          <a:lstStyle/>
+          <a:p>
+            <a:r>
+              <a:rPr lang="en-US" dirty="0"/>
+              <a:t>What is the situation? Why is a solution needed?</a:t>
+            </a:r>
+          </a:p>
+        </p:txBody>
+      </p:sp>
+      <p:sp>
+        <p:nvSpPr>
+          <p:cNvPr id="3" name="Espace réservé du contenu 2">
+            <a:extLst>
+              <a:ext uri="{FF2B5EF4-FFF2-40B4-BE49-F238E27FC236}">
+                <a16:creationId xmlns:a16="http://schemas.microsoft.com/office/drawing/2014/main" id="{2E80841F-F189-452F-8E64-527B228B49B7}"/>
+              </a:ext>
+            </a:extLst>
+          </p:cNvPr>
+          <p:cNvSpPr>
+            <a:spLocks noGrp="1"/>
+          </p:cNvSpPr>
+          <p:nvPr>
+            <p:ph idx="1"/>
+          </p:nvPr>
+        </p:nvSpPr>
+        <p:spPr/>
+        <p:txBody>
+          <a:bodyPr/>
+          <a:lstStyle/>
+          <a:p>
+            <a:pPr>
+              <a:buFont typeface="Arial" panose="020B0604020202020204" pitchFamily="34" charset="0"/>
+              <a:buChar char="•"/>
+            </a:pPr>
+            <a:r>
+              <a:rPr lang="en-US" dirty="0"/>
+              <a:t> </a:t>
+            </a:r>
+            <a:r>
+              <a:rPr lang="en-US" sz="2400" dirty="0"/>
+              <a:t>Currently there are no chatbot solution that the students can use to get answers to their questions in a quick and effective manner</a:t>
+            </a:r>
+          </a:p>
+          <a:p>
+            <a:pPr>
+              <a:buFont typeface="Arial" panose="020B0604020202020204" pitchFamily="34" charset="0"/>
+              <a:buChar char="•"/>
+            </a:pPr>
+            <a:r>
+              <a:rPr lang="en-US" sz="2400" dirty="0"/>
+              <a:t>The teacher (already quite busy because he’s a teacher) needs to take additional time to try and answer every question he receives from his students.  </a:t>
+            </a:r>
+          </a:p>
+          <a:p>
+            <a:pPr>
+              <a:buFont typeface="Arial" panose="020B0604020202020204" pitchFamily="34" charset="0"/>
+              <a:buChar char="•"/>
+            </a:pPr>
+            <a:r>
+              <a:rPr lang="en-US" sz="2400" dirty="0"/>
+              <a:t>As the teacher is usually unable, due to time constraints, to answer every student question and with the same amount of dedication, a quite unfair situation is the result:</a:t>
+            </a:r>
+          </a:p>
+          <a:p>
+            <a:pPr lvl="1">
+              <a:buFont typeface="Arial" panose="020B0604020202020204" pitchFamily="34" charset="0"/>
+              <a:buChar char="•"/>
+            </a:pPr>
+            <a:r>
+              <a:rPr lang="en-US" sz="2200" dirty="0"/>
+              <a:t>Some students get answered and other not (plus, varying quality of answers)</a:t>
+            </a:r>
+          </a:p>
+          <a:p>
+            <a:pPr lvl="1">
+              <a:buFont typeface="Arial" panose="020B0604020202020204" pitchFamily="34" charset="0"/>
+              <a:buChar char="•"/>
+            </a:pPr>
+            <a:r>
+              <a:rPr lang="en-US" sz="2200" dirty="0"/>
+              <a:t>The teacher (who is the one giving grades, is already aware of some students’ weaknesses)</a:t>
+            </a:r>
+          </a:p>
+        </p:txBody>
+      </p:sp>
+    </p:spTree>
+    <p:extLst>
+      <p:ext uri="{BB962C8B-B14F-4D97-AF65-F5344CB8AC3E}">
+        <p14:creationId xmlns:p14="http://schemas.microsoft.com/office/powerpoint/2010/main" val="2606228842"/>
+      </p:ext>
+    </p:extLst>
+  </p:cSld>
+  <p:clrMapOvr>
+    <a:masterClrMapping/>
+  </p:clrMapOvr>
+</p:sld>
+</file>
+
 <file path=ppt/slides/slide9.xml><?xml version="1.0" encoding="utf-8"?>
 <p:sld xmlns:a="http://schemas.openxmlformats.org/drawingml/2006/main" xmlns:r="http://schemas.openxmlformats.org/officeDocument/2006/relationships" xmlns:p="http://schemas.openxmlformats.org/presentationml/2006/main">
   <p:cSld>
@@ -5253,7 +5250,7 @@
           <p:cNvPr id="2" name="Titre 1">
             <a:extLst>
               <a:ext uri="{FF2B5EF4-FFF2-40B4-BE49-F238E27FC236}">
-                <a16:creationId xmlns:a16="http://schemas.microsoft.com/office/drawing/2014/main" id="{A9083182-92A6-4918-96FD-DAF2712DFADD}"/>
+                <a16:creationId xmlns:a16="http://schemas.microsoft.com/office/drawing/2014/main" id="{46430754-1CFB-48F0-8057-FA31C9D16A9E}"/>
               </a:ext>
             </a:extLst>
           </p:cNvPr>
@@ -5271,7 +5268,7 @@
           <a:p>
             <a:r>
               <a:rPr lang="en-US" dirty="0"/>
-              <a:t>What is the situation?</a:t>
+              <a:t>What are our expectations?</a:t>
             </a:r>
           </a:p>
         </p:txBody>
@@ -5281,7 +5278,7 @@
           <p:cNvPr id="3" name="Espace réservé du contenu 2">
             <a:extLst>
               <a:ext uri="{FF2B5EF4-FFF2-40B4-BE49-F238E27FC236}">
-                <a16:creationId xmlns:a16="http://schemas.microsoft.com/office/drawing/2014/main" id="{2E80841F-F189-452F-8E64-527B228B49B7}"/>
+                <a16:creationId xmlns:a16="http://schemas.microsoft.com/office/drawing/2014/main" id="{2E1EFBB3-4F70-45C5-91CA-432478C5F27E}"/>
               </a:ext>
             </a:extLst>
           </p:cNvPr>
@@ -5294,17 +5291,56 @@
         </p:nvSpPr>
         <p:spPr/>
         <p:txBody>
-          <a:bodyPr/>
-          <a:lstStyle/>
-          <a:p>
-            <a:endParaRPr lang="en-US"/>
+          <a:bodyPr>
+            <a:normAutofit/>
+          </a:bodyPr>
+          <a:lstStyle/>
+          <a:p>
+            <a:pPr>
+              <a:buFont typeface="Arial" panose="020B0604020202020204" pitchFamily="34" charset="0"/>
+              <a:buChar char="•"/>
+            </a:pPr>
+            <a:r>
+              <a:rPr lang="en-US" sz="2400" dirty="0"/>
+              <a:t>Experiment on the possibility to convert tacit knowledge into automated knowledge</a:t>
+            </a:r>
+          </a:p>
+          <a:p>
+            <a:pPr>
+              <a:buFont typeface="Arial" panose="020B0604020202020204" pitchFamily="34" charset="0"/>
+              <a:buChar char="•"/>
+            </a:pPr>
+            <a:r>
+              <a:rPr lang="en-US" sz="2400" dirty="0"/>
+              <a:t>Experiment on machine learning using the large amount of data available (collection of E-Mail exchanges between Students and Fredrich)</a:t>
+            </a:r>
+          </a:p>
+          <a:p>
+            <a:pPr>
+              <a:buFont typeface="Arial" panose="020B0604020202020204" pitchFamily="34" charset="0"/>
+              <a:buChar char="•"/>
+            </a:pPr>
+            <a:r>
+              <a:rPr lang="en-US" sz="2400" dirty="0"/>
+              <a:t>Develop an MVP (for lack of a better word) for a chatbot solution</a:t>
+            </a:r>
+          </a:p>
+          <a:p>
+            <a:pPr>
+              <a:buFont typeface="Arial" panose="020B0604020202020204" pitchFamily="34" charset="0"/>
+              <a:buChar char="•"/>
+            </a:pPr>
+            <a:r>
+              <a:rPr lang="en-US" sz="2400" dirty="0"/>
+              <a:t>Integrate this chatbot solution</a:t>
+            </a:r>
           </a:p>
         </p:txBody>
       </p:sp>
     </p:spTree>
     <p:extLst>
       <p:ext uri="{BB962C8B-B14F-4D97-AF65-F5344CB8AC3E}">
-        <p14:creationId xmlns:p14="http://schemas.microsoft.com/office/powerpoint/2010/main" val="2606228842"/>
+        <p14:creationId xmlns:p14="http://schemas.microsoft.com/office/powerpoint/2010/main" val="2142257506"/>
       </p:ext>
     </p:extLst>
   </p:cSld>

--- a/Prep Pitch.pptx
+++ b/Prep Pitch.pptx
@@ -4,6 +4,9 @@
   <p:sldMasterIdLst>
     <p:sldMasterId id="2147483696" r:id="rId1"/>
   </p:sldMasterIdLst>
+  <p:notesMasterIdLst>
+    <p:notesMasterId r:id="rId11"/>
+  </p:notesMasterIdLst>
   <p:sldIdLst>
     <p:sldId id="256" r:id="rId2"/>
     <p:sldId id="258" r:id="rId3"/>
@@ -118,6 +121,924 @@
     </p:ext>
   </p:extLst>
 </p:presentation>
+</file>
+
+<file path=ppt/notesMasters/notesMaster1.xml><?xml version="1.0" encoding="utf-8"?>
+<p:notesMaster xmlns:a="http://schemas.openxmlformats.org/drawingml/2006/main" xmlns:r="http://schemas.openxmlformats.org/officeDocument/2006/relationships" xmlns:p="http://schemas.openxmlformats.org/presentationml/2006/main">
+  <p:cSld>
+    <p:bg>
+      <p:bgRef idx="1001">
+        <a:schemeClr val="bg1"/>
+      </p:bgRef>
+    </p:bg>
+    <p:spTree>
+      <p:nvGrpSpPr>
+        <p:cNvPr id="1" name=""/>
+        <p:cNvGrpSpPr/>
+        <p:nvPr/>
+      </p:nvGrpSpPr>
+      <p:grpSpPr>
+        <a:xfrm>
+          <a:off x="0" y="0"/>
+          <a:ext cx="0" cy="0"/>
+          <a:chOff x="0" y="0"/>
+          <a:chExt cx="0" cy="0"/>
+        </a:xfrm>
+      </p:grpSpPr>
+      <p:sp>
+        <p:nvSpPr>
+          <p:cNvPr id="2" name="Espace réservé de l'en-tête 1"/>
+          <p:cNvSpPr>
+            <a:spLocks noGrp="1"/>
+          </p:cNvSpPr>
+          <p:nvPr>
+            <p:ph type="hdr" sz="quarter"/>
+          </p:nvPr>
+        </p:nvSpPr>
+        <p:spPr>
+          <a:xfrm>
+            <a:off x="0" y="0"/>
+            <a:ext cx="2971800" cy="458788"/>
+          </a:xfrm>
+          <a:prstGeom prst="rect">
+            <a:avLst/>
+          </a:prstGeom>
+        </p:spPr>
+        <p:txBody>
+          <a:bodyPr vert="horz" lIns="91440" tIns="45720" rIns="91440" bIns="45720" rtlCol="0"/>
+          <a:lstStyle>
+            <a:lvl1pPr algn="l">
+              <a:defRPr sz="1200"/>
+            </a:lvl1pPr>
+          </a:lstStyle>
+          <a:p>
+            <a:endParaRPr lang="en-US"/>
+          </a:p>
+        </p:txBody>
+      </p:sp>
+      <p:sp>
+        <p:nvSpPr>
+          <p:cNvPr id="3" name="Espace réservé de la date 2"/>
+          <p:cNvSpPr>
+            <a:spLocks noGrp="1"/>
+          </p:cNvSpPr>
+          <p:nvPr>
+            <p:ph type="dt" idx="1"/>
+          </p:nvPr>
+        </p:nvSpPr>
+        <p:spPr>
+          <a:xfrm>
+            <a:off x="3884613" y="0"/>
+            <a:ext cx="2971800" cy="458788"/>
+          </a:xfrm>
+          <a:prstGeom prst="rect">
+            <a:avLst/>
+          </a:prstGeom>
+        </p:spPr>
+        <p:txBody>
+          <a:bodyPr vert="horz" lIns="91440" tIns="45720" rIns="91440" bIns="45720" rtlCol="0"/>
+          <a:lstStyle>
+            <a:lvl1pPr algn="r">
+              <a:defRPr sz="1200"/>
+            </a:lvl1pPr>
+          </a:lstStyle>
+          <a:p>
+            <a:fld id="{F83AC657-1613-4DEF-B7DB-DDC5A2DB9F48}" type="datetimeFigureOut">
+              <a:rPr lang="en-US" smtClean="0"/>
+              <a:t>10/3/2019</a:t>
+            </a:fld>
+            <a:endParaRPr lang="en-US"/>
+          </a:p>
+        </p:txBody>
+      </p:sp>
+      <p:sp>
+        <p:nvSpPr>
+          <p:cNvPr id="4" name="Espace réservé de l'image des diapositives 3"/>
+          <p:cNvSpPr>
+            <a:spLocks noGrp="1" noRot="1" noChangeAspect="1"/>
+          </p:cNvSpPr>
+          <p:nvPr>
+            <p:ph type="sldImg" idx="2"/>
+          </p:nvPr>
+        </p:nvSpPr>
+        <p:spPr>
+          <a:xfrm>
+            <a:off x="685800" y="1143000"/>
+            <a:ext cx="5486400" cy="3086100"/>
+          </a:xfrm>
+          <a:prstGeom prst="rect">
+            <a:avLst/>
+          </a:prstGeom>
+          <a:noFill/>
+          <a:ln w="12700">
+            <a:solidFill>
+              <a:prstClr val="black"/>
+            </a:solidFill>
+          </a:ln>
+        </p:spPr>
+        <p:txBody>
+          <a:bodyPr vert="horz" lIns="91440" tIns="45720" rIns="91440" bIns="45720" rtlCol="0" anchor="ctr"/>
+          <a:lstStyle/>
+          <a:p>
+            <a:endParaRPr lang="en-US"/>
+          </a:p>
+        </p:txBody>
+      </p:sp>
+      <p:sp>
+        <p:nvSpPr>
+          <p:cNvPr id="5" name="Espace réservé des notes 4"/>
+          <p:cNvSpPr>
+            <a:spLocks noGrp="1"/>
+          </p:cNvSpPr>
+          <p:nvPr>
+            <p:ph type="body" sz="quarter" idx="3"/>
+          </p:nvPr>
+        </p:nvSpPr>
+        <p:spPr>
+          <a:xfrm>
+            <a:off x="685800" y="4400550"/>
+            <a:ext cx="5486400" cy="3600450"/>
+          </a:xfrm>
+          <a:prstGeom prst="rect">
+            <a:avLst/>
+          </a:prstGeom>
+        </p:spPr>
+        <p:txBody>
+          <a:bodyPr vert="horz" lIns="91440" tIns="45720" rIns="91440" bIns="45720" rtlCol="0"/>
+          <a:lstStyle/>
+          <a:p>
+            <a:pPr lvl="0"/>
+            <a:r>
+              <a:rPr lang="fr-FR"/>
+              <a:t>Cliquez pour modifier les styles du texte du masque</a:t>
+            </a:r>
+          </a:p>
+          <a:p>
+            <a:pPr lvl="1"/>
+            <a:r>
+              <a:rPr lang="fr-FR"/>
+              <a:t>Deuxième niveau</a:t>
+            </a:r>
+          </a:p>
+          <a:p>
+            <a:pPr lvl="2"/>
+            <a:r>
+              <a:rPr lang="fr-FR"/>
+              <a:t>Troisième niveau</a:t>
+            </a:r>
+          </a:p>
+          <a:p>
+            <a:pPr lvl="3"/>
+            <a:r>
+              <a:rPr lang="fr-FR"/>
+              <a:t>Quatrième niveau</a:t>
+            </a:r>
+          </a:p>
+          <a:p>
+            <a:pPr lvl="4"/>
+            <a:r>
+              <a:rPr lang="fr-FR"/>
+              <a:t>Cinquième niveau</a:t>
+            </a:r>
+            <a:endParaRPr lang="en-US"/>
+          </a:p>
+        </p:txBody>
+      </p:sp>
+      <p:sp>
+        <p:nvSpPr>
+          <p:cNvPr id="6" name="Espace réservé du pied de page 5"/>
+          <p:cNvSpPr>
+            <a:spLocks noGrp="1"/>
+          </p:cNvSpPr>
+          <p:nvPr>
+            <p:ph type="ftr" sz="quarter" idx="4"/>
+          </p:nvPr>
+        </p:nvSpPr>
+        <p:spPr>
+          <a:xfrm>
+            <a:off x="0" y="8685213"/>
+            <a:ext cx="2971800" cy="458787"/>
+          </a:xfrm>
+          <a:prstGeom prst="rect">
+            <a:avLst/>
+          </a:prstGeom>
+        </p:spPr>
+        <p:txBody>
+          <a:bodyPr vert="horz" lIns="91440" tIns="45720" rIns="91440" bIns="45720" rtlCol="0" anchor="b"/>
+          <a:lstStyle>
+            <a:lvl1pPr algn="l">
+              <a:defRPr sz="1200"/>
+            </a:lvl1pPr>
+          </a:lstStyle>
+          <a:p>
+            <a:endParaRPr lang="en-US"/>
+          </a:p>
+        </p:txBody>
+      </p:sp>
+      <p:sp>
+        <p:nvSpPr>
+          <p:cNvPr id="7" name="Espace réservé du numéro de diapositive 6"/>
+          <p:cNvSpPr>
+            <a:spLocks noGrp="1"/>
+          </p:cNvSpPr>
+          <p:nvPr>
+            <p:ph type="sldNum" sz="quarter" idx="5"/>
+          </p:nvPr>
+        </p:nvSpPr>
+        <p:spPr>
+          <a:xfrm>
+            <a:off x="3884613" y="8685213"/>
+            <a:ext cx="2971800" cy="458787"/>
+          </a:xfrm>
+          <a:prstGeom prst="rect">
+            <a:avLst/>
+          </a:prstGeom>
+        </p:spPr>
+        <p:txBody>
+          <a:bodyPr vert="horz" lIns="91440" tIns="45720" rIns="91440" bIns="45720" rtlCol="0" anchor="b"/>
+          <a:lstStyle>
+            <a:lvl1pPr algn="r">
+              <a:defRPr sz="1200"/>
+            </a:lvl1pPr>
+          </a:lstStyle>
+          <a:p>
+            <a:fld id="{3E81CAFC-D9A3-42C4-B9E8-A3F33D0C43A2}" type="slidenum">
+              <a:rPr lang="en-US" smtClean="0"/>
+              <a:t>‹N°›</a:t>
+            </a:fld>
+            <a:endParaRPr lang="en-US"/>
+          </a:p>
+        </p:txBody>
+      </p:sp>
+    </p:spTree>
+    <p:extLst>
+      <p:ext uri="{BB962C8B-B14F-4D97-AF65-F5344CB8AC3E}">
+        <p14:creationId xmlns:p14="http://schemas.microsoft.com/office/powerpoint/2010/main" val="881481811"/>
+      </p:ext>
+    </p:extLst>
+  </p:cSld>
+  <p:clrMap bg1="lt1" tx1="dk1" bg2="lt2" tx2="dk2" accent1="accent1" accent2="accent2" accent3="accent3" accent4="accent4" accent5="accent5" accent6="accent6" hlink="hlink" folHlink="folHlink"/>
+  <p:notesStyle>
+    <a:lvl1pPr marL="0" algn="l" defTabSz="914400" rtl="0" eaLnBrk="1" latinLnBrk="0" hangingPunct="1">
+      <a:defRPr sz="1200" kern="1200">
+        <a:solidFill>
+          <a:schemeClr val="tx1"/>
+        </a:solidFill>
+        <a:latin typeface="+mn-lt"/>
+        <a:ea typeface="+mn-ea"/>
+        <a:cs typeface="+mn-cs"/>
+      </a:defRPr>
+    </a:lvl1pPr>
+    <a:lvl2pPr marL="457200" algn="l" defTabSz="914400" rtl="0" eaLnBrk="1" latinLnBrk="0" hangingPunct="1">
+      <a:defRPr sz="1200" kern="1200">
+        <a:solidFill>
+          <a:schemeClr val="tx1"/>
+        </a:solidFill>
+        <a:latin typeface="+mn-lt"/>
+        <a:ea typeface="+mn-ea"/>
+        <a:cs typeface="+mn-cs"/>
+      </a:defRPr>
+    </a:lvl2pPr>
+    <a:lvl3pPr marL="914400" algn="l" defTabSz="914400" rtl="0" eaLnBrk="1" latinLnBrk="0" hangingPunct="1">
+      <a:defRPr sz="1200" kern="1200">
+        <a:solidFill>
+          <a:schemeClr val="tx1"/>
+        </a:solidFill>
+        <a:latin typeface="+mn-lt"/>
+        <a:ea typeface="+mn-ea"/>
+        <a:cs typeface="+mn-cs"/>
+      </a:defRPr>
+    </a:lvl3pPr>
+    <a:lvl4pPr marL="1371600" algn="l" defTabSz="914400" rtl="0" eaLnBrk="1" latinLnBrk="0" hangingPunct="1">
+      <a:defRPr sz="1200" kern="1200">
+        <a:solidFill>
+          <a:schemeClr val="tx1"/>
+        </a:solidFill>
+        <a:latin typeface="+mn-lt"/>
+        <a:ea typeface="+mn-ea"/>
+        <a:cs typeface="+mn-cs"/>
+      </a:defRPr>
+    </a:lvl4pPr>
+    <a:lvl5pPr marL="1828800" algn="l" defTabSz="914400" rtl="0" eaLnBrk="1" latinLnBrk="0" hangingPunct="1">
+      <a:defRPr sz="1200" kern="1200">
+        <a:solidFill>
+          <a:schemeClr val="tx1"/>
+        </a:solidFill>
+        <a:latin typeface="+mn-lt"/>
+        <a:ea typeface="+mn-ea"/>
+        <a:cs typeface="+mn-cs"/>
+      </a:defRPr>
+    </a:lvl5pPr>
+    <a:lvl6pPr marL="2286000" algn="l" defTabSz="914400" rtl="0" eaLnBrk="1" latinLnBrk="0" hangingPunct="1">
+      <a:defRPr sz="1200" kern="1200">
+        <a:solidFill>
+          <a:schemeClr val="tx1"/>
+        </a:solidFill>
+        <a:latin typeface="+mn-lt"/>
+        <a:ea typeface="+mn-ea"/>
+        <a:cs typeface="+mn-cs"/>
+      </a:defRPr>
+    </a:lvl6pPr>
+    <a:lvl7pPr marL="2743200" algn="l" defTabSz="914400" rtl="0" eaLnBrk="1" latinLnBrk="0" hangingPunct="1">
+      <a:defRPr sz="1200" kern="1200">
+        <a:solidFill>
+          <a:schemeClr val="tx1"/>
+        </a:solidFill>
+        <a:latin typeface="+mn-lt"/>
+        <a:ea typeface="+mn-ea"/>
+        <a:cs typeface="+mn-cs"/>
+      </a:defRPr>
+    </a:lvl7pPr>
+    <a:lvl8pPr marL="3200400" algn="l" defTabSz="914400" rtl="0" eaLnBrk="1" latinLnBrk="0" hangingPunct="1">
+      <a:defRPr sz="1200" kern="1200">
+        <a:solidFill>
+          <a:schemeClr val="tx1"/>
+        </a:solidFill>
+        <a:latin typeface="+mn-lt"/>
+        <a:ea typeface="+mn-ea"/>
+        <a:cs typeface="+mn-cs"/>
+      </a:defRPr>
+    </a:lvl8pPr>
+    <a:lvl9pPr marL="3657600" algn="l" defTabSz="914400" rtl="0" eaLnBrk="1" latinLnBrk="0" hangingPunct="1">
+      <a:defRPr sz="1200" kern="1200">
+        <a:solidFill>
+          <a:schemeClr val="tx1"/>
+        </a:solidFill>
+        <a:latin typeface="+mn-lt"/>
+        <a:ea typeface="+mn-ea"/>
+        <a:cs typeface="+mn-cs"/>
+      </a:defRPr>
+    </a:lvl9pPr>
+  </p:notesStyle>
+</p:notesMaster>
+</file>
+
+<file path=ppt/notesSlides/notesSlide1.xml><?xml version="1.0" encoding="utf-8"?>
+<p:notes xmlns:a="http://schemas.openxmlformats.org/drawingml/2006/main" xmlns:r="http://schemas.openxmlformats.org/officeDocument/2006/relationships" xmlns:p="http://schemas.openxmlformats.org/presentationml/2006/main">
+  <p:cSld>
+    <p:spTree>
+      <p:nvGrpSpPr>
+        <p:cNvPr id="1" name=""/>
+        <p:cNvGrpSpPr/>
+        <p:nvPr/>
+      </p:nvGrpSpPr>
+      <p:grpSpPr>
+        <a:xfrm>
+          <a:off x="0" y="0"/>
+          <a:ext cx="0" cy="0"/>
+          <a:chOff x="0" y="0"/>
+          <a:chExt cx="0" cy="0"/>
+        </a:xfrm>
+      </p:grpSpPr>
+      <p:sp>
+        <p:nvSpPr>
+          <p:cNvPr id="2" name="Espace réservé de l'image des diapositives 1"/>
+          <p:cNvSpPr>
+            <a:spLocks noGrp="1" noRot="1" noChangeAspect="1"/>
+          </p:cNvSpPr>
+          <p:nvPr>
+            <p:ph type="sldImg"/>
+          </p:nvPr>
+        </p:nvSpPr>
+        <p:spPr/>
+      </p:sp>
+      <p:sp>
+        <p:nvSpPr>
+          <p:cNvPr id="3" name="Espace réservé des notes 2"/>
+          <p:cNvSpPr>
+            <a:spLocks noGrp="1"/>
+          </p:cNvSpPr>
+          <p:nvPr>
+            <p:ph type="body" idx="1"/>
+          </p:nvPr>
+        </p:nvSpPr>
+        <p:spPr/>
+        <p:txBody>
+          <a:bodyPr/>
+          <a:lstStyle/>
+          <a:p>
+            <a:pPr>
+              <a:buFont typeface="Arial" panose="020B0604020202020204" pitchFamily="34" charset="0"/>
+              <a:buChar char="•"/>
+            </a:pPr>
+            <a:r>
+              <a:rPr lang="en-US" sz="2400" dirty="0"/>
+              <a:t> Experiment on a solution design for the automated answering of course related questions from students</a:t>
+            </a:r>
+          </a:p>
+          <a:p>
+            <a:pPr>
+              <a:buFont typeface="Arial" panose="020B0604020202020204" pitchFamily="34" charset="0"/>
+              <a:buChar char="•"/>
+            </a:pPr>
+            <a:r>
+              <a:rPr lang="en-US" sz="2400" dirty="0"/>
+              <a:t> Support provided to students </a:t>
+            </a:r>
+          </a:p>
+          <a:p>
+            <a:pPr lvl="1">
+              <a:buFont typeface="Arial" panose="020B0604020202020204" pitchFamily="34" charset="0"/>
+              <a:buChar char="•"/>
+            </a:pPr>
+            <a:r>
+              <a:rPr lang="en-US" sz="2000" dirty="0"/>
+              <a:t>without requiring the attention of the teacher</a:t>
+            </a:r>
+          </a:p>
+          <a:p>
+            <a:pPr lvl="1">
+              <a:buFont typeface="Arial" panose="020B0604020202020204" pitchFamily="34" charset="0"/>
+              <a:buChar char="•"/>
+            </a:pPr>
+            <a:r>
+              <a:rPr lang="en-US" sz="2000" dirty="0"/>
+              <a:t>24/7 no time delays (immediate answer)</a:t>
+            </a:r>
+          </a:p>
+          <a:p>
+            <a:pPr lvl="1">
+              <a:buFont typeface="Arial" panose="020B0604020202020204" pitchFamily="34" charset="0"/>
+              <a:buChar char="•"/>
+            </a:pPr>
+            <a:endParaRPr lang="en-US" sz="2000" dirty="0"/>
+          </a:p>
+          <a:p>
+            <a:pPr>
+              <a:buFont typeface="Arial" panose="020B0604020202020204" pitchFamily="34" charset="0"/>
+              <a:buChar char="•"/>
+            </a:pPr>
+            <a:r>
+              <a:rPr lang="en-US" sz="2400" dirty="0"/>
+              <a:t> Proof of concept for further development of automated student support</a:t>
+            </a:r>
+          </a:p>
+        </p:txBody>
+      </p:sp>
+      <p:sp>
+        <p:nvSpPr>
+          <p:cNvPr id="4" name="Espace réservé du numéro de diapositive 3"/>
+          <p:cNvSpPr>
+            <a:spLocks noGrp="1"/>
+          </p:cNvSpPr>
+          <p:nvPr>
+            <p:ph type="sldNum" sz="quarter" idx="5"/>
+          </p:nvPr>
+        </p:nvSpPr>
+        <p:spPr/>
+        <p:txBody>
+          <a:bodyPr/>
+          <a:lstStyle/>
+          <a:p>
+            <a:fld id="{3E81CAFC-D9A3-42C4-B9E8-A3F33D0C43A2}" type="slidenum">
+              <a:rPr lang="en-US" smtClean="0"/>
+              <a:t>2</a:t>
+            </a:fld>
+            <a:endParaRPr lang="en-US"/>
+          </a:p>
+        </p:txBody>
+      </p:sp>
+    </p:spTree>
+    <p:extLst>
+      <p:ext uri="{BB962C8B-B14F-4D97-AF65-F5344CB8AC3E}">
+        <p14:creationId xmlns:p14="http://schemas.microsoft.com/office/powerpoint/2010/main" val="1441260294"/>
+      </p:ext>
+    </p:extLst>
+  </p:cSld>
+  <p:clrMapOvr>
+    <a:masterClrMapping/>
+  </p:clrMapOvr>
+</p:notes>
+</file>
+
+<file path=ppt/notesSlides/notesSlide2.xml><?xml version="1.0" encoding="utf-8"?>
+<p:notes xmlns:a="http://schemas.openxmlformats.org/drawingml/2006/main" xmlns:r="http://schemas.openxmlformats.org/officeDocument/2006/relationships" xmlns:p="http://schemas.openxmlformats.org/presentationml/2006/main">
+  <p:cSld>
+    <p:spTree>
+      <p:nvGrpSpPr>
+        <p:cNvPr id="1" name=""/>
+        <p:cNvGrpSpPr/>
+        <p:nvPr/>
+      </p:nvGrpSpPr>
+      <p:grpSpPr>
+        <a:xfrm>
+          <a:off x="0" y="0"/>
+          <a:ext cx="0" cy="0"/>
+          <a:chOff x="0" y="0"/>
+          <a:chExt cx="0" cy="0"/>
+        </a:xfrm>
+      </p:grpSpPr>
+      <p:sp>
+        <p:nvSpPr>
+          <p:cNvPr id="2" name="Espace réservé de l'image des diapositives 1"/>
+          <p:cNvSpPr>
+            <a:spLocks noGrp="1" noRot="1" noChangeAspect="1"/>
+          </p:cNvSpPr>
+          <p:nvPr>
+            <p:ph type="sldImg"/>
+          </p:nvPr>
+        </p:nvSpPr>
+        <p:spPr/>
+      </p:sp>
+      <p:sp>
+        <p:nvSpPr>
+          <p:cNvPr id="3" name="Espace réservé des notes 2"/>
+          <p:cNvSpPr>
+            <a:spLocks noGrp="1"/>
+          </p:cNvSpPr>
+          <p:nvPr>
+            <p:ph type="body" idx="1"/>
+          </p:nvPr>
+        </p:nvSpPr>
+        <p:spPr/>
+        <p:txBody>
+          <a:bodyPr/>
+          <a:lstStyle/>
+          <a:p>
+            <a:pPr>
+              <a:buFont typeface="Arial" panose="020B0604020202020204" pitchFamily="34" charset="0"/>
+              <a:buChar char="•"/>
+            </a:pPr>
+            <a:r>
+              <a:rPr lang="en-US" sz="1200" dirty="0"/>
+              <a:t>… analyze the Question-to-Answer process </a:t>
+            </a:r>
+          </a:p>
+          <a:p>
+            <a:pPr>
+              <a:buFont typeface="Arial" panose="020B0604020202020204" pitchFamily="34" charset="0"/>
+              <a:buChar char="•"/>
+            </a:pPr>
+            <a:r>
+              <a:rPr lang="en-US" sz="1200" dirty="0"/>
+              <a:t> … Gather required course related knowledge in Q&amp;A form (documented knowledge)</a:t>
+            </a:r>
+          </a:p>
+          <a:p>
+            <a:pPr>
+              <a:buFont typeface="Arial" panose="020B0604020202020204" pitchFamily="34" charset="0"/>
+              <a:buChar char="•"/>
+            </a:pPr>
+            <a:r>
+              <a:rPr lang="en-US" sz="1200" dirty="0"/>
+              <a:t> … Translate the Q&amp;A into Natural Language Processing (NLP)</a:t>
+            </a:r>
+          </a:p>
+          <a:p>
+            <a:pPr>
+              <a:buFont typeface="Arial" panose="020B0604020202020204" pitchFamily="34" charset="0"/>
+              <a:buChar char="•"/>
+            </a:pPr>
+            <a:r>
+              <a:rPr lang="en-US" sz="1200" dirty="0"/>
+              <a:t>… use a combination of knowledge engineering and Machine learning for correct and self-developing Chatbot solution (The more data the more effective)</a:t>
+            </a:r>
+          </a:p>
+          <a:p>
+            <a:endParaRPr lang="en-US" dirty="0"/>
+          </a:p>
+        </p:txBody>
+      </p:sp>
+      <p:sp>
+        <p:nvSpPr>
+          <p:cNvPr id="4" name="Espace réservé du numéro de diapositive 3"/>
+          <p:cNvSpPr>
+            <a:spLocks noGrp="1"/>
+          </p:cNvSpPr>
+          <p:nvPr>
+            <p:ph type="sldNum" sz="quarter" idx="5"/>
+          </p:nvPr>
+        </p:nvSpPr>
+        <p:spPr/>
+        <p:txBody>
+          <a:bodyPr/>
+          <a:lstStyle/>
+          <a:p>
+            <a:fld id="{3E81CAFC-D9A3-42C4-B9E8-A3F33D0C43A2}" type="slidenum">
+              <a:rPr lang="en-US" smtClean="0"/>
+              <a:t>6</a:t>
+            </a:fld>
+            <a:endParaRPr lang="en-US"/>
+          </a:p>
+        </p:txBody>
+      </p:sp>
+    </p:spTree>
+    <p:extLst>
+      <p:ext uri="{BB962C8B-B14F-4D97-AF65-F5344CB8AC3E}">
+        <p14:creationId xmlns:p14="http://schemas.microsoft.com/office/powerpoint/2010/main" val="1996871520"/>
+      </p:ext>
+    </p:extLst>
+  </p:cSld>
+  <p:clrMapOvr>
+    <a:masterClrMapping/>
+  </p:clrMapOvr>
+</p:notes>
+</file>
+
+<file path=ppt/notesSlides/notesSlide3.xml><?xml version="1.0" encoding="utf-8"?>
+<p:notes xmlns:a="http://schemas.openxmlformats.org/drawingml/2006/main" xmlns:r="http://schemas.openxmlformats.org/officeDocument/2006/relationships" xmlns:p="http://schemas.openxmlformats.org/presentationml/2006/main">
+  <p:cSld>
+    <p:spTree>
+      <p:nvGrpSpPr>
+        <p:cNvPr id="1" name=""/>
+        <p:cNvGrpSpPr/>
+        <p:nvPr/>
+      </p:nvGrpSpPr>
+      <p:grpSpPr>
+        <a:xfrm>
+          <a:off x="0" y="0"/>
+          <a:ext cx="0" cy="0"/>
+          <a:chOff x="0" y="0"/>
+          <a:chExt cx="0" cy="0"/>
+        </a:xfrm>
+      </p:grpSpPr>
+      <p:sp>
+        <p:nvSpPr>
+          <p:cNvPr id="2" name="Espace réservé de l'image des diapositives 1"/>
+          <p:cNvSpPr>
+            <a:spLocks noGrp="1" noRot="1" noChangeAspect="1"/>
+          </p:cNvSpPr>
+          <p:nvPr>
+            <p:ph type="sldImg"/>
+          </p:nvPr>
+        </p:nvSpPr>
+        <p:spPr/>
+      </p:sp>
+      <p:sp>
+        <p:nvSpPr>
+          <p:cNvPr id="3" name="Espace réservé des notes 2"/>
+          <p:cNvSpPr>
+            <a:spLocks noGrp="1"/>
+          </p:cNvSpPr>
+          <p:nvPr>
+            <p:ph type="body" idx="1"/>
+          </p:nvPr>
+        </p:nvSpPr>
+        <p:spPr/>
+        <p:txBody>
+          <a:bodyPr/>
+          <a:lstStyle/>
+          <a:p>
+            <a:pPr>
+              <a:buFont typeface="Arial" panose="020B0604020202020204" pitchFamily="34" charset="0"/>
+              <a:buChar char="•"/>
+            </a:pPr>
+            <a:r>
+              <a:rPr lang="en-US" dirty="0"/>
+              <a:t> </a:t>
+            </a:r>
+            <a:r>
+              <a:rPr lang="en-US" sz="2400" dirty="0"/>
+              <a:t>Currently there are no chatbot solution that the students can </a:t>
+            </a:r>
+          </a:p>
+          <a:p>
+            <a:pPr>
+              <a:buFont typeface="Arial" panose="020B0604020202020204" pitchFamily="34" charset="0"/>
+              <a:buNone/>
+            </a:pPr>
+            <a:r>
+              <a:rPr lang="en-US" sz="2400" dirty="0"/>
+              <a:t>use to get answers to their questions in a quick and effective manner</a:t>
+            </a:r>
+          </a:p>
+          <a:p>
+            <a:pPr>
+              <a:buFont typeface="Arial" panose="020B0604020202020204" pitchFamily="34" charset="0"/>
+              <a:buChar char="•"/>
+            </a:pPr>
+            <a:endParaRPr lang="en-US" sz="2400" dirty="0"/>
+          </a:p>
+          <a:p>
+            <a:pPr>
+              <a:buFont typeface="Arial" panose="020B0604020202020204" pitchFamily="34" charset="0"/>
+              <a:buChar char="•"/>
+            </a:pPr>
+            <a:r>
+              <a:rPr lang="en-US" sz="2400" dirty="0"/>
+              <a:t> The teacher (already quite busy because he’s a teacher) needs to </a:t>
+            </a:r>
+          </a:p>
+          <a:p>
+            <a:pPr>
+              <a:buFont typeface="Arial" panose="020B0604020202020204" pitchFamily="34" charset="0"/>
+              <a:buNone/>
+            </a:pPr>
+            <a:r>
+              <a:rPr lang="en-US" sz="2400" dirty="0"/>
+              <a:t>take additional time to try and answer every question he receives from his students.</a:t>
+            </a:r>
+          </a:p>
+          <a:p>
+            <a:pPr>
+              <a:buFont typeface="Arial" panose="020B0604020202020204" pitchFamily="34" charset="0"/>
+              <a:buNone/>
+            </a:pPr>
+            <a:endParaRPr lang="en-US" sz="2400" dirty="0"/>
+          </a:p>
+          <a:p>
+            <a:pPr>
+              <a:buFont typeface="Arial" panose="020B0604020202020204" pitchFamily="34" charset="0"/>
+              <a:buChar char="•"/>
+            </a:pPr>
+            <a:r>
+              <a:rPr lang="en-US" sz="2400" dirty="0"/>
+              <a:t> As the teacher is usually unable, due to time constraints, to answer every student </a:t>
+            </a:r>
+          </a:p>
+          <a:p>
+            <a:pPr>
+              <a:buFont typeface="Arial" panose="020B0604020202020204" pitchFamily="34" charset="0"/>
+              <a:buNone/>
+            </a:pPr>
+            <a:r>
+              <a:rPr lang="en-US" sz="2400" dirty="0"/>
+              <a:t>question and with the same amount of dedication, a quite unfair situation is the result:</a:t>
+            </a:r>
+          </a:p>
+          <a:p>
+            <a:pPr lvl="1">
+              <a:buFont typeface="Arial" panose="020B0604020202020204" pitchFamily="34" charset="0"/>
+              <a:buChar char="•"/>
+            </a:pPr>
+            <a:r>
+              <a:rPr lang="en-US" sz="2200" dirty="0"/>
+              <a:t> Some students get answered and other not (plus, varying quality of answers)</a:t>
+            </a:r>
+          </a:p>
+          <a:p>
+            <a:pPr lvl="1">
+              <a:buFont typeface="Arial" panose="020B0604020202020204" pitchFamily="34" charset="0"/>
+              <a:buChar char="•"/>
+            </a:pPr>
+            <a:r>
+              <a:rPr lang="en-US" sz="2200" dirty="0"/>
+              <a:t> The teacher (who is the one giving grades, is already aware of some students’ weaknesses)</a:t>
+            </a:r>
+          </a:p>
+          <a:p>
+            <a:endParaRPr lang="en-US" dirty="0"/>
+          </a:p>
+        </p:txBody>
+      </p:sp>
+      <p:sp>
+        <p:nvSpPr>
+          <p:cNvPr id="4" name="Espace réservé du numéro de diapositive 3"/>
+          <p:cNvSpPr>
+            <a:spLocks noGrp="1"/>
+          </p:cNvSpPr>
+          <p:nvPr>
+            <p:ph type="sldNum" sz="quarter" idx="5"/>
+          </p:nvPr>
+        </p:nvSpPr>
+        <p:spPr/>
+        <p:txBody>
+          <a:bodyPr/>
+          <a:lstStyle/>
+          <a:p>
+            <a:fld id="{3E81CAFC-D9A3-42C4-B9E8-A3F33D0C43A2}" type="slidenum">
+              <a:rPr lang="en-US" smtClean="0"/>
+              <a:t>8</a:t>
+            </a:fld>
+            <a:endParaRPr lang="en-US"/>
+          </a:p>
+        </p:txBody>
+      </p:sp>
+    </p:spTree>
+    <p:extLst>
+      <p:ext uri="{BB962C8B-B14F-4D97-AF65-F5344CB8AC3E}">
+        <p14:creationId xmlns:p14="http://schemas.microsoft.com/office/powerpoint/2010/main" val="1833114448"/>
+      </p:ext>
+    </p:extLst>
+  </p:cSld>
+  <p:clrMapOvr>
+    <a:masterClrMapping/>
+  </p:clrMapOvr>
+</p:notes>
+</file>
+
+<file path=ppt/notesSlides/notesSlide4.xml><?xml version="1.0" encoding="utf-8"?>
+<p:notes xmlns:a="http://schemas.openxmlformats.org/drawingml/2006/main" xmlns:r="http://schemas.openxmlformats.org/officeDocument/2006/relationships" xmlns:p="http://schemas.openxmlformats.org/presentationml/2006/main">
+  <p:cSld>
+    <p:spTree>
+      <p:nvGrpSpPr>
+        <p:cNvPr id="1" name=""/>
+        <p:cNvGrpSpPr/>
+        <p:nvPr/>
+      </p:nvGrpSpPr>
+      <p:grpSpPr>
+        <a:xfrm>
+          <a:off x="0" y="0"/>
+          <a:ext cx="0" cy="0"/>
+          <a:chOff x="0" y="0"/>
+          <a:chExt cx="0" cy="0"/>
+        </a:xfrm>
+      </p:grpSpPr>
+      <p:sp>
+        <p:nvSpPr>
+          <p:cNvPr id="2" name="Espace réservé de l'image des diapositives 1"/>
+          <p:cNvSpPr>
+            <a:spLocks noGrp="1" noRot="1" noChangeAspect="1"/>
+          </p:cNvSpPr>
+          <p:nvPr>
+            <p:ph type="sldImg"/>
+          </p:nvPr>
+        </p:nvSpPr>
+        <p:spPr/>
+      </p:sp>
+      <p:sp>
+        <p:nvSpPr>
+          <p:cNvPr id="3" name="Espace réservé des notes 2"/>
+          <p:cNvSpPr>
+            <a:spLocks noGrp="1"/>
+          </p:cNvSpPr>
+          <p:nvPr>
+            <p:ph type="body" idx="1"/>
+          </p:nvPr>
+        </p:nvSpPr>
+        <p:spPr/>
+        <p:txBody>
+          <a:bodyPr/>
+          <a:lstStyle/>
+          <a:p>
+            <a:pPr>
+              <a:buFont typeface="Arial" panose="020B0604020202020204" pitchFamily="34" charset="0"/>
+              <a:buChar char="•"/>
+            </a:pPr>
+            <a:r>
+              <a:rPr lang="en-US" sz="1200" dirty="0"/>
+              <a:t>Experiment on the possibility to convert tacit knowledge into automated knowledge</a:t>
+            </a:r>
+          </a:p>
+          <a:p>
+            <a:pPr>
+              <a:buFont typeface="Arial" panose="020B0604020202020204" pitchFamily="34" charset="0"/>
+              <a:buChar char="•"/>
+            </a:pPr>
+            <a:r>
+              <a:rPr lang="en-US" sz="1200" dirty="0"/>
+              <a:t>Experiment on machine learning using the large amount of data available (collection of E-Mail exchanges between Students and Fredrich)</a:t>
+            </a:r>
+          </a:p>
+          <a:p>
+            <a:pPr>
+              <a:buFont typeface="Arial" panose="020B0604020202020204" pitchFamily="34" charset="0"/>
+              <a:buChar char="•"/>
+            </a:pPr>
+            <a:r>
+              <a:rPr lang="en-US" sz="1200" dirty="0"/>
+              <a:t>Develop an MVP (for lack of a better word) for a chatbot solution</a:t>
+            </a:r>
+          </a:p>
+          <a:p>
+            <a:pPr>
+              <a:buFont typeface="Arial" panose="020B0604020202020204" pitchFamily="34" charset="0"/>
+              <a:buChar char="•"/>
+            </a:pPr>
+            <a:r>
+              <a:rPr lang="en-US" sz="1200" dirty="0"/>
+              <a:t>Integrate this chatbot solution</a:t>
+            </a:r>
+          </a:p>
+          <a:p>
+            <a:endParaRPr lang="en-US" dirty="0"/>
+          </a:p>
+        </p:txBody>
+      </p:sp>
+      <p:sp>
+        <p:nvSpPr>
+          <p:cNvPr id="4" name="Espace réservé du numéro de diapositive 3"/>
+          <p:cNvSpPr>
+            <a:spLocks noGrp="1"/>
+          </p:cNvSpPr>
+          <p:nvPr>
+            <p:ph type="sldNum" sz="quarter" idx="5"/>
+          </p:nvPr>
+        </p:nvSpPr>
+        <p:spPr/>
+        <p:txBody>
+          <a:bodyPr/>
+          <a:lstStyle/>
+          <a:p>
+            <a:fld id="{3E81CAFC-D9A3-42C4-B9E8-A3F33D0C43A2}" type="slidenum">
+              <a:rPr lang="en-US" smtClean="0"/>
+              <a:t>9</a:t>
+            </a:fld>
+            <a:endParaRPr lang="en-US"/>
+          </a:p>
+        </p:txBody>
+      </p:sp>
+    </p:spTree>
+    <p:extLst>
+      <p:ext uri="{BB962C8B-B14F-4D97-AF65-F5344CB8AC3E}">
+        <p14:creationId xmlns:p14="http://schemas.microsoft.com/office/powerpoint/2010/main" val="2761499647"/>
+      </p:ext>
+    </p:extLst>
+  </p:cSld>
+  <p:clrMapOvr>
+    <a:masterClrMapping/>
+  </p:clrMapOvr>
+</p:notes>
 </file>
 
 <file path=ppt/slideLayouts/slideLayout1.xml><?xml version="1.0" encoding="utf-8"?>
@@ -3960,7 +4881,26 @@
             </a:pPr>
             <a:r>
               <a:rPr lang="en-US" sz="2400" dirty="0"/>
-              <a:t> Experiment on a solution design for the automated answering of course related questions from students</a:t>
+              <a:t> Experiment on a solution design for the </a:t>
+            </a:r>
+            <a:r>
+              <a:rPr lang="en-US" sz="2400" b="1" dirty="0"/>
+              <a:t>automated answering </a:t>
+            </a:r>
+            <a:r>
+              <a:rPr lang="en-US" sz="2400" dirty="0"/>
+              <a:t>of </a:t>
+            </a:r>
+            <a:br>
+              <a:rPr lang="en-US" sz="2400" dirty="0"/>
+            </a:br>
+            <a:r>
+              <a:rPr lang="en-US" sz="2400" b="1" dirty="0"/>
+              <a:t>course related questions </a:t>
+            </a:r>
+            <a:r>
+              <a:rPr lang="en-US" sz="2400" dirty="0"/>
+              <a:t>from students</a:t>
             </a:r>
           </a:p>
           <a:p>
@@ -3968,9 +4908,16 @@
               <a:buFont typeface="Arial" panose="020B0604020202020204" pitchFamily="34" charset="0"/>
               <a:buChar char="•"/>
             </a:pPr>
+            <a:endParaRPr lang="en-US" sz="2400" dirty="0"/>
+          </a:p>
+          <a:p>
+            <a:pPr>
+              <a:buFont typeface="Arial" panose="020B0604020202020204" pitchFamily="34" charset="0"/>
+              <a:buChar char="•"/>
+            </a:pPr>
             <a:r>
               <a:rPr lang="en-US" sz="2400" dirty="0"/>
-              <a:t> Support provided to students </a:t>
+              <a:t> Solution that supports students</a:t>
             </a:r>
           </a:p>
           <a:p>
@@ -3990,7 +4937,7 @@
             </a:pPr>
             <a:r>
               <a:rPr lang="en-US" sz="2000" dirty="0"/>
-              <a:t>24/7 no time delays (immediate answer)</a:t>
+              <a:t>24/7 (immediate answer)</a:t>
             </a:r>
           </a:p>
           <a:p>
@@ -4007,7 +4954,11 @@
             </a:pPr>
             <a:r>
               <a:rPr lang="en-US" sz="2400" dirty="0"/>
-              <a:t> Proof of concept for further development of automated student support</a:t>
+              <a:t> Proof of concept for further development of </a:t>
+            </a:r>
+            <a:r>
+              <a:rPr lang="en-US" sz="2400" b="1" dirty="0"/>
+              <a:t>automated student support</a:t>
             </a:r>
           </a:p>
         </p:txBody>
@@ -4065,7 +5016,7 @@
           <a:p>
             <a:r>
               <a:rPr lang="en-US" dirty="0"/>
-              <a:t>Why do we think our project is appropriate?</a:t>
+              <a:t>Why is our project is appropriate?</a:t>
             </a:r>
           </a:p>
         </p:txBody>
@@ -4097,7 +5048,15 @@
             </a:pPr>
             <a:r>
               <a:rPr lang="en-US" sz="2400" dirty="0"/>
-              <a:t> Going towards digital transformation of FHNW</a:t>
+              <a:t> Going towards </a:t>
+            </a:r>
+            <a:r>
+              <a:rPr lang="en-US" sz="2400" b="1" dirty="0"/>
+              <a:t>digital transformation </a:t>
+            </a:r>
+            <a:r>
+              <a:rPr lang="en-US" sz="2400" dirty="0"/>
+              <a:t>of FHNW</a:t>
             </a:r>
           </a:p>
           <a:p>
@@ -4105,9 +5064,20 @@
               <a:buFont typeface="Arial" panose="020B0604020202020204" pitchFamily="34" charset="0"/>
               <a:buChar char="•"/>
             </a:pPr>
+            <a:endParaRPr lang="en-US" sz="2400" dirty="0"/>
+          </a:p>
+          <a:p>
+            <a:pPr>
+              <a:buFont typeface="Arial" panose="020B0604020202020204" pitchFamily="34" charset="0"/>
+              <a:buChar char="•"/>
+            </a:pPr>
             <a:r>
               <a:rPr lang="en-US" sz="2400" dirty="0"/>
-              <a:t> Complexity level justifies the use of Agile</a:t>
+              <a:t> Complexity level justifies the </a:t>
+            </a:r>
+            <a:r>
+              <a:rPr lang="en-US" sz="2400" b="1" dirty="0"/>
+              <a:t>use of Agile</a:t>
             </a:r>
           </a:p>
           <a:p>
@@ -4117,7 +5087,7 @@
             </a:pPr>
             <a:r>
               <a:rPr lang="en-US" sz="2200" dirty="0"/>
-              <a:t>Two languages</a:t>
+              <a:t>Two languages (DE &amp; EN)</a:t>
             </a:r>
           </a:p>
           <a:p>
@@ -4127,7 +5097,7 @@
             </a:pPr>
             <a:r>
               <a:rPr lang="en-US" sz="2200" dirty="0"/>
-              <a:t>Need to treat large amounts of Data</a:t>
+              <a:t>Need to use large amounts of data</a:t>
             </a:r>
           </a:p>
           <a:p>
@@ -4268,7 +5238,7 @@
             </a:pPr>
             <a:r>
               <a:rPr lang="en-US" sz="2400" dirty="0"/>
-              <a:t> Friedrich Witschel</a:t>
+              <a:t> Friedrich Witschel (teacher of BI course)</a:t>
             </a:r>
           </a:p>
           <a:p>
@@ -4300,7 +5270,15 @@
             </a:pPr>
             <a:r>
               <a:rPr lang="en-US" sz="2400" dirty="0"/>
-              <a:t> Other? (e.g. students of BI course, external help)</a:t>
+              <a:t> </a:t>
+            </a:r>
+            <a:r>
+              <a:rPr lang="en-US" sz="2400" b="1" dirty="0"/>
+              <a:t>Other?</a:t>
+            </a:r>
+            <a:r>
+              <a:rPr lang="en-US" sz="2400" dirty="0"/>
+              <a:t> (e.g. students of BI course, external help)</a:t>
             </a:r>
           </a:p>
           <a:p>
@@ -4397,7 +5375,7 @@
               <a:buChar char="•"/>
             </a:pPr>
             <a:r>
-              <a:rPr lang="en-US" sz="2400" dirty="0"/>
+              <a:rPr lang="en-US" sz="2800" dirty="0"/>
               <a:t> A solution …</a:t>
             </a:r>
           </a:p>
@@ -4407,7 +5385,7 @@
               <a:buChar char="•"/>
             </a:pPr>
             <a:r>
-              <a:rPr lang="en-US" sz="2000" dirty="0"/>
+              <a:rPr lang="en-US" sz="2400" dirty="0"/>
               <a:t>… to provide answers to questions related to the Business Intelligence course</a:t>
             </a:r>
           </a:p>
@@ -4417,8 +5395,8 @@
               <a:buChar char="•"/>
             </a:pPr>
             <a:r>
-              <a:rPr lang="en-US" sz="2000" dirty="0"/>
-              <a:t>…. that allows student to get answers in a quick and efficient way</a:t>
+              <a:rPr lang="en-US" sz="2400" dirty="0"/>
+              <a:t>… that allows student to get answers in a quick and efficient way</a:t>
             </a:r>
           </a:p>
           <a:p>
@@ -4427,7 +5405,7 @@
               <a:buChar char="•"/>
             </a:pPr>
             <a:r>
-              <a:rPr lang="en-US" sz="2000" dirty="0"/>
+              <a:rPr lang="en-US" sz="2400" dirty="0"/>
               <a:t>… that is available all the time</a:t>
             </a:r>
           </a:p>
@@ -4437,8 +5415,8 @@
               <a:buChar char="•"/>
             </a:pPr>
             <a:r>
-              <a:rPr lang="en-US" sz="2000" dirty="0"/>
-              <a:t>… that relieves teachers from having to respond to every single student question</a:t>
+              <a:rPr lang="en-US" sz="2400" dirty="0"/>
+              <a:t>… that relieves teachers from having to respond to every student question</a:t>
             </a:r>
           </a:p>
           <a:p>
@@ -4447,7 +5425,7 @@
               <a:buChar char="•"/>
             </a:pPr>
             <a:r>
-              <a:rPr lang="en-US" sz="2000" dirty="0"/>
+              <a:rPr lang="en-US" sz="2400" dirty="0"/>
               <a:t>… that is automated so as to permit 24/7 support</a:t>
             </a:r>
           </a:p>
@@ -4551,42 +5529,66 @@
           <a:lstStyle/>
           <a:p>
             <a:pPr>
-              <a:buFont typeface="Arial" panose="020B0604020202020204" pitchFamily="34" charset="0"/>
-              <a:buChar char="•"/>
+              <a:buFont typeface="Wingdings" panose="05000000000000000000" pitchFamily="2" charset="2"/>
+              <a:buChar char="ü"/>
             </a:pPr>
             <a:r>
               <a:rPr lang="en-US" sz="2400" dirty="0"/>
-              <a:t>… analyze the Question-to-Answer process </a:t>
+              <a:t>Analyze the Question-to-Answer process </a:t>
             </a:r>
           </a:p>
           <a:p>
             <a:pPr>
-              <a:buFont typeface="Arial" panose="020B0604020202020204" pitchFamily="34" charset="0"/>
-              <a:buChar char="•"/>
+              <a:buFont typeface="Wingdings" panose="05000000000000000000" pitchFamily="2" charset="2"/>
+              <a:buChar char="ü"/>
             </a:pPr>
             <a:r>
               <a:rPr lang="en-US" sz="2400" dirty="0"/>
-              <a:t> … Gather required course related knowledge in Q&amp;A form (documented knowledge)</a:t>
+              <a:t> Gather required course related knowledge </a:t>
+            </a:r>
+            <a:br>
+              <a:rPr lang="en-US" sz="2400" dirty="0"/>
+            </a:br>
+            <a:r>
+              <a:rPr lang="en-US" sz="2400" dirty="0"/>
+              <a:t>in Q&amp;A form (documented knowledge)</a:t>
             </a:r>
           </a:p>
           <a:p>
             <a:pPr>
-              <a:buFont typeface="Arial" panose="020B0604020202020204" pitchFamily="34" charset="0"/>
-              <a:buChar char="•"/>
+              <a:buFont typeface="Wingdings" panose="05000000000000000000" pitchFamily="2" charset="2"/>
+              <a:buChar char="ü"/>
             </a:pPr>
             <a:r>
               <a:rPr lang="en-US" sz="2400" dirty="0"/>
-              <a:t> … Translate the Q&amp;A into Natural Language Processing (NLP)</a:t>
+              <a:t> Translate into Natural Language Processing (NLP)</a:t>
             </a:r>
           </a:p>
           <a:p>
             <a:pPr>
-              <a:buFont typeface="Arial" panose="020B0604020202020204" pitchFamily="34" charset="0"/>
-              <a:buChar char="•"/>
+              <a:buFont typeface="Wingdings" panose="05000000000000000000" pitchFamily="2" charset="2"/>
+              <a:buChar char="ü"/>
+            </a:pPr>
+            <a:endParaRPr lang="en-US" sz="2400" dirty="0"/>
+          </a:p>
+          <a:p>
+            <a:pPr>
+              <a:buFont typeface="Wingdings" panose="05000000000000000000" pitchFamily="2" charset="2"/>
+              <a:buChar char="ü"/>
             </a:pPr>
             <a:r>
               <a:rPr lang="en-US" sz="2400" dirty="0"/>
-              <a:t>… use a combination of knowledge engineering and Machine learning for correct and self-developing Chatbot solution (The more data the more effective)</a:t>
+              <a:t>Combination of knowledge engineering and machine learning for …</a:t>
+            </a:r>
+          </a:p>
+          <a:p>
+            <a:pPr>
+              <a:buFont typeface="Wingdings" panose="05000000000000000000" pitchFamily="2" charset="2"/>
+              <a:buChar char="ü"/>
+            </a:pPr>
+            <a:r>
+              <a:rPr lang="en-US" sz="2400" dirty="0"/>
+              <a:t>… correct and self-developing Chatbot solution (the more data the more effective)</a:t>
             </a:r>
           </a:p>
           <a:p>
@@ -4646,12 +5648,8 @@
           <a:lstStyle/>
           <a:p>
             <a:r>
-              <a:rPr lang="en-US" dirty="0" err="1"/>
-              <a:t>Sooo</a:t>
-            </a:r>
-            <a:r>
               <a:rPr lang="en-US" dirty="0"/>
-              <a:t>? Where are we? (Stacey Matrix)</a:t>
+              <a:t>Sooo? Where are we? (Stacey Matrix)</a:t>
             </a:r>
           </a:p>
         </p:txBody>
@@ -5034,7 +6032,7 @@
                             </p:stCondLst>
                             <p:childTnLst>
                               <p:par>
-                                <p:cTn id="5" presetID="1" presetClass="entr" presetSubtype="0" fill="hold" grpId="0" nodeType="clickEffect">
+                                <p:cTn id="5" presetID="16" presetClass="entr" presetSubtype="21" fill="hold" grpId="0" nodeType="clickEffect">
                                   <p:stCondLst>
                                     <p:cond delay="0"/>
                                   </p:stCondLst>
@@ -5057,6 +6055,14 @@
                                         <p:strVal val="visible"/>
                                       </p:to>
                                     </p:set>
+                                    <p:animEffect transition="in" filter="barn(inVertical)">
+                                      <p:cBhvr>
+                                        <p:cTn id="7" dur="500"/>
+                                        <p:tgtEl>
+                                          <p:spTgt spid="5"/>
+                                        </p:tgtEl>
+                                      </p:cBhvr>
+                                    </p:animEffect>
                                   </p:childTnLst>
                                 </p:cTn>
                               </p:par>
@@ -5157,61 +6163,72 @@
         </p:nvSpPr>
         <p:spPr/>
         <p:txBody>
-          <a:bodyPr/>
-          <a:lstStyle/>
+          <a:bodyPr>
+            <a:normAutofit/>
+          </a:bodyPr>
+          <a:lstStyle/>
+          <a:p>
+            <a:pPr>
+              <a:buFont typeface="Wingdings" panose="05000000000000000000" pitchFamily="2" charset="2"/>
+              <a:buChar char="ü"/>
+            </a:pPr>
+            <a:r>
+              <a:rPr lang="en-US" dirty="0"/>
+              <a:t> </a:t>
+            </a:r>
+            <a:r>
+              <a:rPr lang="en-US" sz="2400" dirty="0"/>
+              <a:t>Currently no other solution than…</a:t>
+            </a:r>
+          </a:p>
+          <a:p>
+            <a:pPr>
+              <a:buFont typeface="Wingdings" panose="05000000000000000000" pitchFamily="2" charset="2"/>
+              <a:buChar char="ü"/>
+            </a:pPr>
+            <a:endParaRPr lang="en-US" sz="2400" dirty="0"/>
+          </a:p>
+          <a:p>
+            <a:pPr>
+              <a:buFont typeface="Wingdings" panose="05000000000000000000" pitchFamily="2" charset="2"/>
+              <a:buChar char="ü"/>
+            </a:pPr>
+            <a:r>
+              <a:rPr lang="en-US" sz="2400" dirty="0"/>
+              <a:t> …the answer every individual question per E-Mail</a:t>
+            </a:r>
+          </a:p>
+          <a:p>
+            <a:pPr>
+              <a:buFont typeface="Wingdings" panose="05000000000000000000" pitchFamily="2" charset="2"/>
+              <a:buChar char="ü"/>
+            </a:pPr>
+            <a:endParaRPr lang="en-US" sz="2400" dirty="0"/>
+          </a:p>
+          <a:p>
+            <a:pPr>
+              <a:buFont typeface="Wingdings" panose="05000000000000000000" pitchFamily="2" charset="2"/>
+              <a:buChar char="ü"/>
+            </a:pPr>
+            <a:r>
+              <a:rPr lang="en-US" sz="2400" dirty="0"/>
+              <a:t> Time consuming for teacher </a:t>
+            </a:r>
+            <a:r>
+              <a:rPr lang="en-US" sz="2400" b="1" dirty="0"/>
+              <a:t>and </a:t>
+            </a:r>
+            <a:r>
+              <a:rPr lang="en-US" sz="2400" dirty="0"/>
+              <a:t>unfair for students</a:t>
+            </a:r>
+          </a:p>
           <a:p>
             <a:pPr>
               <a:buFont typeface="Arial" panose="020B0604020202020204" pitchFamily="34" charset="0"/>
               <a:buChar char="•"/>
             </a:pPr>
-            <a:r>
-              <a:rPr lang="en-US" dirty="0"/>
-              <a:t> </a:t>
-            </a:r>
-            <a:r>
-              <a:rPr lang="en-US" sz="2400" dirty="0"/>
-              <a:t>Currently there are no chatbot solution that the students can use to get answers to their questions in a quick and effective manner</a:t>
-            </a:r>
-          </a:p>
-          <a:p>
-            <a:pPr>
-              <a:buFont typeface="Arial" panose="020B0604020202020204" pitchFamily="34" charset="0"/>
-              <a:buChar char="•"/>
-            </a:pPr>
-            <a:r>
-              <a:rPr lang="en-US" sz="2400" dirty="0"/>
-              <a:t>The teacher (already quite busy because he’s a teacher) needs to take additional time to try and answer every question he receives from his students.  </a:t>
-            </a:r>
-          </a:p>
-          <a:p>
-            <a:pPr>
-              <a:buFont typeface="Arial" panose="020B0604020202020204" pitchFamily="34" charset="0"/>
-              <a:buChar char="•"/>
-            </a:pPr>
-            <a:r>
-              <a:rPr lang="en-US" sz="2400" dirty="0"/>
-              <a:t>As the teacher is usually unable, due to time constraints, to answer every student question and with the same amount of dedication, a quite unfair situation is the result:</a:t>
-            </a:r>
-          </a:p>
-          <a:p>
-            <a:pPr lvl="1">
-              <a:buFont typeface="Arial" panose="020B0604020202020204" pitchFamily="34" charset="0"/>
-              <a:buChar char="•"/>
-            </a:pPr>
-            <a:r>
-              <a:rPr lang="en-US" sz="2200" dirty="0"/>
-              <a:t>Some students get answered and other not (plus, varying quality of answers)</a:t>
-            </a:r>
-          </a:p>
-          <a:p>
-            <a:pPr lvl="1">
-              <a:buFont typeface="Arial" panose="020B0604020202020204" pitchFamily="34" charset="0"/>
-              <a:buChar char="•"/>
-            </a:pPr>
-            <a:r>
-              <a:rPr lang="en-US" sz="2200" dirty="0"/>
-              <a:t>The teacher (who is the one giving grades, is already aware of some students’ weaknesses)</a:t>
-            </a:r>
+            <a:endParaRPr lang="en-US" sz="2400" b="1" dirty="0"/>
           </a:p>
         </p:txBody>
       </p:sp>
@@ -5297,42 +6314,60 @@
           <a:lstStyle/>
           <a:p>
             <a:pPr>
-              <a:buFont typeface="Arial" panose="020B0604020202020204" pitchFamily="34" charset="0"/>
-              <a:buChar char="•"/>
+              <a:buFont typeface="Wingdings" panose="05000000000000000000" pitchFamily="2" charset="2"/>
+              <a:buChar char="ü"/>
             </a:pPr>
             <a:r>
               <a:rPr lang="en-US" sz="2400" dirty="0"/>
-              <a:t>Experiment on the possibility to convert tacit knowledge into automated knowledge</a:t>
-            </a:r>
-          </a:p>
-          <a:p>
-            <a:pPr>
-              <a:buFont typeface="Arial" panose="020B0604020202020204" pitchFamily="34" charset="0"/>
-              <a:buChar char="•"/>
-            </a:pPr>
+              <a:t> </a:t>
+            </a:r>
+            <a:r>
+              <a:rPr lang="en-US" sz="2400" b="1" dirty="0"/>
+              <a:t>Experimentation</a:t>
+            </a:r>
             <a:r>
               <a:rPr lang="en-US" sz="2400" dirty="0"/>
-              <a:t>Experiment on machine learning using the large amount of data available (collection of E-Mail exchanges between Students and Fredrich)</a:t>
-            </a:r>
-          </a:p>
-          <a:p>
-            <a:pPr>
-              <a:buFont typeface="Arial" panose="020B0604020202020204" pitchFamily="34" charset="0"/>
-              <a:buChar char="•"/>
+              <a:t> for:</a:t>
+            </a:r>
+          </a:p>
+          <a:p>
+            <a:pPr marL="0" indent="0">
+              <a:buNone/>
             </a:pPr>
             <a:r>
               <a:rPr lang="en-US" sz="2400" dirty="0"/>
-              <a:t>Develop an MVP (for lack of a better word) for a chatbot solution</a:t>
-            </a:r>
-          </a:p>
-          <a:p>
-            <a:pPr>
-              <a:buFont typeface="Arial" panose="020B0604020202020204" pitchFamily="34" charset="0"/>
-              <a:buChar char="•"/>
+              <a:t>… conversion of tacit knowledge into automated knowledge</a:t>
+            </a:r>
+          </a:p>
+          <a:p>
+            <a:pPr marL="0" indent="0">
+              <a:buNone/>
             </a:pPr>
             <a:r>
               <a:rPr lang="en-US" sz="2400" dirty="0"/>
-              <a:t>Integrate this chatbot solution</a:t>
+              <a:t>… machine learning (large amount of E-Mail data)</a:t>
+            </a:r>
+          </a:p>
+          <a:p>
+            <a:pPr marL="0" indent="0">
+              <a:buNone/>
+            </a:pPr>
+            <a:r>
+              <a:rPr lang="en-US" sz="2400" dirty="0"/>
+              <a:t>… Develop an MVP for a </a:t>
+            </a:r>
+            <a:r>
+              <a:rPr lang="en-US" sz="2400" b="1" dirty="0"/>
+              <a:t>chatbot solution</a:t>
+            </a:r>
+          </a:p>
+          <a:p>
+            <a:pPr marL="0" indent="0">
+              <a:buNone/>
+            </a:pPr>
+            <a:r>
+              <a:rPr lang="en-US" sz="2400" dirty="0"/>
+              <a:t>… implement the solution</a:t>
             </a:r>
           </a:p>
         </p:txBody>
@@ -5631,4 +6666,299 @@
     </a:ext>
   </a:extLst>
 </a:theme>
+</file>
+
+<file path=ppt/theme/theme2.xml><?xml version="1.0" encoding="utf-8"?>
+<a:theme xmlns:a="http://schemas.openxmlformats.org/drawingml/2006/main" name="Thème Office">
+  <a:themeElements>
+    <a:clrScheme name="Office">
+      <a:dk1>
+        <a:sysClr val="windowText" lastClr="000000"/>
+      </a:dk1>
+      <a:lt1>
+        <a:sysClr val="window" lastClr="FFFFFF"/>
+      </a:lt1>
+      <a:dk2>
+        <a:srgbClr val="44546A"/>
+      </a:dk2>
+      <a:lt2>
+        <a:srgbClr val="E7E6E6"/>
+      </a:lt2>
+      <a:accent1>
+        <a:srgbClr val="4472C4"/>
+      </a:accent1>
+      <a:accent2>
+        <a:srgbClr val="ED7D31"/>
+      </a:accent2>
+      <a:accent3>
+        <a:srgbClr val="A5A5A5"/>
+      </a:accent3>
+      <a:accent4>
+        <a:srgbClr val="FFC000"/>
+      </a:accent4>
+      <a:accent5>
+        <a:srgbClr val="5B9BD5"/>
+      </a:accent5>
+      <a:accent6>
+        <a:srgbClr val="70AD47"/>
+      </a:accent6>
+      <a:hlink>
+        <a:srgbClr val="0563C1"/>
+      </a:hlink>
+      <a:folHlink>
+        <a:srgbClr val="954F72"/>
+      </a:folHlink>
+    </a:clrScheme>
+    <a:fontScheme name="Office">
+      <a:majorFont>
+        <a:latin typeface="Calibri Light" panose="020F0302020204030204"/>
+        <a:ea typeface=""/>
+        <a:cs typeface=""/>
+        <a:font script="Jpan" typeface="游ゴシック Light"/>
+        <a:font script="Hang" typeface="맑은 고딕"/>
+        <a:font script="Hans" typeface="等线 Light"/>
+        <a:font script="Hant" typeface="新細明體"/>
+        <a:font script="Arab" typeface="Times New Roman"/>
+        <a:font script="Hebr" typeface="Times New Roman"/>
+        <a:font script="Thai" typeface="Angsana New"/>
+        <a:font script="Ethi" typeface="Nyala"/>
+        <a:font script="Beng" typeface="Vrinda"/>
+        <a:font script="Gujr" typeface="Shruti"/>
+        <a:font script="Khmr" typeface="MoolBoran"/>
+        <a:font script="Knda" typeface="Tunga"/>
+        <a:font script="Guru" typeface="Raavi"/>
+        <a:font script="Cans" typeface="Euphemia"/>
+        <a:font script="Cher" typeface="Plantagenet Cherokee"/>
+        <a:font script="Yiii" typeface="Microsoft Yi Baiti"/>
+        <a:font script="Tibt" typeface="Microsoft Himalaya"/>
+        <a:font script="Thaa" typeface="MV Boli"/>
+        <a:font script="Deva" typeface="Mangal"/>
+        <a:font script="Telu" typeface="Gautami"/>
+        <a:font script="Taml" typeface="Latha"/>
+        <a:font script="Syrc" typeface="Estrangelo Edessa"/>
+        <a:font script="Orya" typeface="Kalinga"/>
+        <a:font script="Mlym" typeface="Kartika"/>
+        <a:font script="Laoo" typeface="DokChampa"/>
+        <a:font script="Sinh" typeface="Iskoola Pota"/>
+        <a:font script="Mong" typeface="Mongolian Baiti"/>
+        <a:font script="Viet" typeface="Times New Roman"/>
+        <a:font script="Uigh" typeface="Microsoft Uighur"/>
+        <a:font script="Geor" typeface="Sylfaen"/>
+        <a:font script="Armn" typeface="Arial"/>
+        <a:font script="Bugi" typeface="Leelawadee UI"/>
+        <a:font script="Bopo" typeface="Microsoft JhengHei"/>
+        <a:font script="Java" typeface="Javanese Text"/>
+        <a:font script="Lisu" typeface="Segoe UI"/>
+        <a:font script="Mymr" typeface="Myanmar Text"/>
+        <a:font script="Nkoo" typeface="Ebrima"/>
+        <a:font script="Olck" typeface="Nirmala UI"/>
+        <a:font script="Osma" typeface="Ebrima"/>
+        <a:font script="Phag" typeface="Phagspa"/>
+        <a:font script="Syrn" typeface="Estrangelo Edessa"/>
+        <a:font script="Syrj" typeface="Estrangelo Edessa"/>
+        <a:font script="Syre" typeface="Estrangelo Edessa"/>
+        <a:font script="Sora" typeface="Nirmala UI"/>
+        <a:font script="Tale" typeface="Microsoft Tai Le"/>
+        <a:font script="Talu" typeface="Microsoft New Tai Lue"/>
+        <a:font script="Tfng" typeface="Ebrima"/>
+      </a:majorFont>
+      <a:minorFont>
+        <a:latin typeface="Calibri" panose="020F0502020204030204"/>
+        <a:ea typeface=""/>
+        <a:cs typeface=""/>
+        <a:font script="Jpan" typeface="游ゴシック"/>
+        <a:font script="Hang" typeface="맑은 고딕"/>
+        <a:font script="Hans" typeface="等线"/>
+        <a:font script="Hant" typeface="新細明體"/>
+        <a:font script="Arab" typeface="Arial"/>
+        <a:font script="Hebr" typeface="Arial"/>
+        <a:font script="Thai" typeface="Cordia New"/>
+        <a:font script="Ethi" typeface="Nyala"/>
+        <a:font script="Beng" typeface="Vrinda"/>
+        <a:font script="Gujr" typeface="Shruti"/>
+        <a:font script="Khmr" typeface="DaunPenh"/>
+        <a:font script="Knda" typeface="Tunga"/>
+        <a:font script="Guru" typeface="Raavi"/>
+        <a:font script="Cans" typeface="Euphemia"/>
+        <a:font script="Cher" typeface="Plantagenet Cherokee"/>
+        <a:font script="Yiii" typeface="Microsoft Yi Baiti"/>
+        <a:font script="Tibt" typeface="Microsoft Himalaya"/>
+        <a:font script="Thaa" typeface="MV Boli"/>
+        <a:font script="Deva" typeface="Mangal"/>
+        <a:font script="Telu" typeface="Gautami"/>
+        <a:font script="Taml" typeface="Latha"/>
+        <a:font script="Syrc" typeface="Estrangelo Edessa"/>
+        <a:font script="Orya" typeface="Kalinga"/>
+        <a:font script="Mlym" typeface="Kartika"/>
+        <a:font script="Laoo" typeface="DokChampa"/>
+        <a:font script="Sinh" typeface="Iskoola Pota"/>
+        <a:font script="Mong" typeface="Mongolian Baiti"/>
+        <a:font script="Viet" typeface="Arial"/>
+        <a:font script="Uigh" typeface="Microsoft Uighur"/>
+        <a:font script="Geor" typeface="Sylfaen"/>
+        <a:font script="Armn" typeface="Arial"/>
+        <a:font script="Bugi" typeface="Leelawadee UI"/>
+        <a:font script="Bopo" typeface="Microsoft JhengHei"/>
+        <a:font script="Java" typeface="Javanese Text"/>
+        <a:font script="Lisu" typeface="Segoe UI"/>
+        <a:font script="Mymr" typeface="Myanmar Text"/>
+        <a:font script="Nkoo" typeface="Ebrima"/>
+        <a:font script="Olck" typeface="Nirmala UI"/>
+        <a:font script="Osma" typeface="Ebrima"/>
+        <a:font script="Phag" typeface="Phagspa"/>
+        <a:font script="Syrn" typeface="Estrangelo Edessa"/>
+        <a:font script="Syrj" typeface="Estrangelo Edessa"/>
+        <a:font script="Syre" typeface="Estrangelo Edessa"/>
+        <a:font script="Sora" typeface="Nirmala UI"/>
+        <a:font script="Tale" typeface="Microsoft Tai Le"/>
+        <a:font script="Talu" typeface="Microsoft New Tai Lue"/>
+        <a:font script="Tfng" typeface="Ebrima"/>
+      </a:minorFont>
+    </a:fontScheme>
+    <a:fmtScheme name="Office">
+      <a:fillStyleLst>
+        <a:solidFill>
+          <a:schemeClr val="phClr"/>
+        </a:solidFill>
+        <a:gradFill rotWithShape="1">
+          <a:gsLst>
+            <a:gs pos="0">
+              <a:schemeClr val="phClr">
+                <a:lumMod val="110000"/>
+                <a:satMod val="105000"/>
+                <a:tint val="67000"/>
+              </a:schemeClr>
+            </a:gs>
+            <a:gs pos="50000">
+              <a:schemeClr val="phClr">
+                <a:lumMod val="105000"/>
+                <a:satMod val="103000"/>
+                <a:tint val="73000"/>
+              </a:schemeClr>
+            </a:gs>
+            <a:gs pos="100000">
+              <a:schemeClr val="phClr">
+                <a:lumMod val="105000"/>
+                <a:satMod val="109000"/>
+                <a:tint val="81000"/>
+              </a:schemeClr>
+            </a:gs>
+          </a:gsLst>
+          <a:lin ang="5400000" scaled="0"/>
+        </a:gradFill>
+        <a:gradFill rotWithShape="1">
+          <a:gsLst>
+            <a:gs pos="0">
+              <a:schemeClr val="phClr">
+                <a:satMod val="103000"/>
+                <a:lumMod val="102000"/>
+                <a:tint val="94000"/>
+              </a:schemeClr>
+            </a:gs>
+            <a:gs pos="50000">
+              <a:schemeClr val="phClr">
+                <a:satMod val="110000"/>
+                <a:lumMod val="100000"/>
+                <a:shade val="100000"/>
+              </a:schemeClr>
+            </a:gs>
+            <a:gs pos="100000">
+              <a:schemeClr val="phClr">
+                <a:lumMod val="99000"/>
+                <a:satMod val="120000"/>
+                <a:shade val="78000"/>
+              </a:schemeClr>
+            </a:gs>
+          </a:gsLst>
+          <a:lin ang="5400000" scaled="0"/>
+        </a:gradFill>
+      </a:fillStyleLst>
+      <a:lnStyleLst>
+        <a:ln w="6350" cap="flat" cmpd="sng" algn="ctr">
+          <a:solidFill>
+            <a:schemeClr val="phClr"/>
+          </a:solidFill>
+          <a:prstDash val="solid"/>
+          <a:miter lim="800000"/>
+        </a:ln>
+        <a:ln w="12700" cap="flat" cmpd="sng" algn="ctr">
+          <a:solidFill>
+            <a:schemeClr val="phClr"/>
+          </a:solidFill>
+          <a:prstDash val="solid"/>
+          <a:miter lim="800000"/>
+        </a:ln>
+        <a:ln w="19050" cap="flat" cmpd="sng" algn="ctr">
+          <a:solidFill>
+            <a:schemeClr val="phClr"/>
+          </a:solidFill>
+          <a:prstDash val="solid"/>
+          <a:miter lim="800000"/>
+        </a:ln>
+      </a:lnStyleLst>
+      <a:effectStyleLst>
+        <a:effectStyle>
+          <a:effectLst/>
+        </a:effectStyle>
+        <a:effectStyle>
+          <a:effectLst/>
+        </a:effectStyle>
+        <a:effectStyle>
+          <a:effectLst>
+            <a:outerShdw blurRad="57150" dist="19050" dir="5400000" algn="ctr" rotWithShape="0">
+              <a:srgbClr val="000000">
+                <a:alpha val="63000"/>
+              </a:srgbClr>
+            </a:outerShdw>
+          </a:effectLst>
+        </a:effectStyle>
+      </a:effectStyleLst>
+      <a:bgFillStyleLst>
+        <a:solidFill>
+          <a:schemeClr val="phClr"/>
+        </a:solidFill>
+        <a:solidFill>
+          <a:schemeClr val="phClr">
+            <a:tint val="95000"/>
+            <a:satMod val="170000"/>
+          </a:schemeClr>
+        </a:solidFill>
+        <a:gradFill rotWithShape="1">
+          <a:gsLst>
+            <a:gs pos="0">
+              <a:schemeClr val="phClr">
+                <a:tint val="93000"/>
+                <a:satMod val="150000"/>
+                <a:shade val="98000"/>
+                <a:lumMod val="102000"/>
+              </a:schemeClr>
+            </a:gs>
+            <a:gs pos="50000">
+              <a:schemeClr val="phClr">
+                <a:tint val="98000"/>
+                <a:satMod val="130000"/>
+                <a:shade val="90000"/>
+                <a:lumMod val="103000"/>
+              </a:schemeClr>
+            </a:gs>
+            <a:gs pos="100000">
+              <a:schemeClr val="phClr">
+                <a:shade val="63000"/>
+                <a:satMod val="120000"/>
+              </a:schemeClr>
+            </a:gs>
+          </a:gsLst>
+          <a:lin ang="5400000" scaled="0"/>
+        </a:gradFill>
+      </a:bgFillStyleLst>
+    </a:fmtScheme>
+  </a:themeElements>
+  <a:objectDefaults/>
+  <a:extraClrSchemeLst/>
+  <a:extLst>
+    <a:ext uri="{05A4C25C-085E-4340-85A3-A5531E510DB2}">
+      <thm15:themeFamily xmlns:thm15="http://schemas.microsoft.com/office/thememl/2012/main" name="Office Theme" id="{62F939B6-93AF-4DB8-9C6B-D6C7DFDC589F}" vid="{4A3C46E8-61CC-4603-A589-7422A47A8E4A}"/>
+    </a:ext>
+  </a:extLst>
+</a:theme>
 </file>